--- a/ppt/golang/interview_questions/1/why_go.pptx
+++ b/ppt/golang/interview_questions/1/why_go.pptx
@@ -2,10 +2,10 @@
 <file path=ppt/presentation.xml><?xml version="1.0" encoding="utf-8"?>
 <p:presentation xmlns:a="http://schemas.openxmlformats.org/drawingml/2006/main" xmlns:r="http://schemas.openxmlformats.org/officeDocument/2006/relationships" xmlns:p="http://schemas.openxmlformats.org/presentationml/2006/main" saveSubsetFonts="1" autoCompressPictures="0">
   <p:sldMasterIdLst>
-    <p:sldMasterId id="2147483660" r:id="rId1"/>
+    <p:sldMasterId id="2147483678" r:id="rId1"/>
   </p:sldMasterIdLst>
   <p:notesMasterIdLst>
-    <p:notesMasterId r:id="rId10"/>
+    <p:notesMasterId r:id="rId9"/>
   </p:notesMasterIdLst>
   <p:sldIdLst>
     <p:sldId id="256" r:id="rId2"/>
@@ -15,7 +15,6 @@
     <p:sldId id="260" r:id="rId6"/>
     <p:sldId id="261" r:id="rId7"/>
     <p:sldId id="262" r:id="rId8"/>
-    <p:sldId id="263" r:id="rId9"/>
   </p:sldIdLst>
   <p:sldSz cx="9144000" cy="5143500" type="screen16x9"/>
   <p:notesSz cx="6858000" cy="9144000"/>
@@ -215,7 +214,7 @@
           <a:p>
             <a:fld id="{7D3C03B6-FDBB-4C7E-9C07-AF20188F9EC1}" type="datetimeFigureOut">
               <a:rPr lang="en-US" smtClean="0"/>
-              <a:t>4/8/2025</a:t>
+              <a:t>4/9/2025</a:t>
             </a:fld>
             <a:endParaRPr lang="en-US"/>
           </a:p>
@@ -527,2490 +526,837 @@
           <a:lstStyle/>
           <a:p>
             <a:pPr>
-              <a:lnSpc>
-                <a:spcPts val="1425"/>
-              </a:lnSpc>
               <a:buNone/>
             </a:pPr>
             <a:r>
-              <a:rPr lang="en-US" b="0" dirty="0">
-                <a:solidFill>
-                  <a:srgbClr val="CCCCCC"/>
-                </a:solidFill>
-                <a:effectLst/>
-                <a:latin typeface="Consolas" panose="020B0609020204030204" pitchFamily="49" charset="0"/>
-              </a:rPr>
-              <a:t>Generate a YouTube script in English on [</a:t>
-            </a:r>
+              <a:rPr lang="en-US" dirty="0"/>
+              <a:t>🟩 </a:t>
+            </a:r>
+            <a:r>
+              <a:rPr lang="en-US" b="1" dirty="0"/>
+              <a:t>[Slide 1: What is Go (Golang)?]</a:t>
+            </a:r>
+            <a:endParaRPr lang="en-US" dirty="0"/>
           </a:p>
           <a:p>
             <a:pPr>
-              <a:lnSpc>
-                <a:spcPts val="1425"/>
-              </a:lnSpc>
               <a:buNone/>
             </a:pPr>
             <a:r>
-              <a:rPr lang="en-US" b="0" dirty="0">
-                <a:solidFill>
-                  <a:srgbClr val="CCCCCC"/>
-                </a:solidFill>
-                <a:effectLst/>
-                <a:latin typeface="Consolas" panose="020B0609020204030204" pitchFamily="49" charset="0"/>
-              </a:rPr>
-              <a:t>    {</a:t>
+              <a:rPr lang="en-US" dirty="0"/>
+              <a:t>Alright, let’s jump right in — what exactly </a:t>
+            </a:r>
+            <a:r>
+              <a:rPr lang="en-US" i="1" dirty="0"/>
+              <a:t>is</a:t>
+            </a:r>
+            <a:r>
+              <a:rPr lang="en-US" dirty="0"/>
+              <a:t> Go?</a:t>
             </a:r>
           </a:p>
           <a:p>
             <a:pPr>
-              <a:lnSpc>
-                <a:spcPts val="1425"/>
-              </a:lnSpc>
               <a:buNone/>
             </a:pPr>
             <a:r>
-              <a:rPr lang="en-US" b="0" dirty="0">
-                <a:solidFill>
-                  <a:srgbClr val="CCCCCC"/>
-                </a:solidFill>
-                <a:effectLst/>
-                <a:latin typeface="Consolas" panose="020B0609020204030204" pitchFamily="49" charset="0"/>
-              </a:rPr>
-              <a:t>        </a:t>
-            </a:r>
-            <a:r>
-              <a:rPr lang="en-US" b="0" dirty="0">
-                <a:solidFill>
-                  <a:srgbClr val="9CDCFE"/>
-                </a:solidFill>
-                <a:effectLst/>
-                <a:latin typeface="Consolas" panose="020B0609020204030204" pitchFamily="49" charset="0"/>
-              </a:rPr>
-              <a:t>"title"</a:t>
-            </a:r>
-            <a:r>
-              <a:rPr lang="en-US" b="0" dirty="0">
-                <a:solidFill>
-                  <a:srgbClr val="CCCCCC"/>
-                </a:solidFill>
-                <a:effectLst/>
-                <a:latin typeface="Consolas" panose="020B0609020204030204" pitchFamily="49" charset="0"/>
-              </a:rPr>
-              <a:t>: </a:t>
-            </a:r>
-            <a:r>
-              <a:rPr lang="en-US" b="0" dirty="0">
-                <a:solidFill>
-                  <a:srgbClr val="CE9178"/>
-                </a:solidFill>
-                <a:effectLst/>
-                <a:latin typeface="Consolas" panose="020B0609020204030204" pitchFamily="49" charset="0"/>
-              </a:rPr>
-              <a:t>"What is Go (Golang)?"</a:t>
-            </a:r>
-            <a:r>
-              <a:rPr lang="en-US" b="0" dirty="0">
-                <a:solidFill>
-                  <a:srgbClr val="CCCCCC"/>
-                </a:solidFill>
-                <a:effectLst/>
-                <a:latin typeface="Consolas" panose="020B0609020204030204" pitchFamily="49" charset="0"/>
-              </a:rPr>
-              <a:t>,</a:t>
+              <a:rPr lang="en-US" dirty="0"/>
+              <a:t>Go, or as many people call it, </a:t>
+            </a:r>
+            <a:r>
+              <a:rPr lang="en-US" b="1" dirty="0"/>
+              <a:t>Golang</a:t>
+            </a:r>
+            <a:r>
+              <a:rPr lang="en-US" dirty="0"/>
+              <a:t>, is an open-source programming language. Now, the name "Golang" actually comes from its domain name — golang.org — but officially, it's just called </a:t>
+            </a:r>
+            <a:r>
+              <a:rPr lang="en-US" b="1" dirty="0"/>
+              <a:t>Go</a:t>
+            </a:r>
+            <a:r>
+              <a:rPr lang="en-US" dirty="0"/>
+              <a:t>.</a:t>
             </a:r>
           </a:p>
           <a:p>
             <a:pPr>
-              <a:lnSpc>
-                <a:spcPts val="1425"/>
-              </a:lnSpc>
               <a:buNone/>
             </a:pPr>
             <a:r>
-              <a:rPr lang="en-US" b="0" dirty="0">
-                <a:solidFill>
-                  <a:srgbClr val="CCCCCC"/>
-                </a:solidFill>
-                <a:effectLst/>
-                <a:latin typeface="Consolas" panose="020B0609020204030204" pitchFamily="49" charset="0"/>
-              </a:rPr>
-              <a:t>        </a:t>
-            </a:r>
-            <a:r>
-              <a:rPr lang="en-US" b="0" dirty="0">
-                <a:solidFill>
-                  <a:srgbClr val="9CDCFE"/>
-                </a:solidFill>
-                <a:effectLst/>
-                <a:latin typeface="Consolas" panose="020B0609020204030204" pitchFamily="49" charset="0"/>
-              </a:rPr>
-              <a:t>"content"</a:t>
-            </a:r>
-            <a:r>
-              <a:rPr lang="en-US" b="0" dirty="0">
-                <a:solidFill>
-                  <a:srgbClr val="CCCCCC"/>
-                </a:solidFill>
-                <a:effectLst/>
-                <a:latin typeface="Consolas" panose="020B0609020204030204" pitchFamily="49" charset="0"/>
-              </a:rPr>
-              <a:t>: </a:t>
-            </a:r>
-            <a:r>
-              <a:rPr lang="en-US" b="0" dirty="0">
-                <a:solidFill>
-                  <a:srgbClr val="CE9178"/>
-                </a:solidFill>
-                <a:effectLst/>
-                <a:latin typeface="Consolas" panose="020B0609020204030204" pitchFamily="49" charset="0"/>
-              </a:rPr>
-              <a:t>"### Definition:</a:t>
-            </a:r>
-            <a:r>
-              <a:rPr lang="en-US" b="0" dirty="0">
-                <a:solidFill>
-                  <a:srgbClr val="D7BA7D"/>
-                </a:solidFill>
-                <a:effectLst/>
-                <a:latin typeface="Consolas" panose="020B0609020204030204" pitchFamily="49" charset="0"/>
-              </a:rPr>
-              <a:t>\</a:t>
-            </a:r>
-            <a:r>
-              <a:rPr lang="en-US" b="0" dirty="0" err="1">
-                <a:solidFill>
-                  <a:srgbClr val="D7BA7D"/>
-                </a:solidFill>
-                <a:effectLst/>
-                <a:latin typeface="Consolas" panose="020B0609020204030204" pitchFamily="49" charset="0"/>
-              </a:rPr>
-              <a:t>n</a:t>
-            </a:r>
-            <a:r>
-              <a:rPr lang="en-US" b="0" dirty="0" err="1">
-                <a:solidFill>
-                  <a:srgbClr val="CE9178"/>
-                </a:solidFill>
-                <a:effectLst/>
-                <a:latin typeface="Consolas" panose="020B0609020204030204" pitchFamily="49" charset="0"/>
-              </a:rPr>
-              <a:t>Go</a:t>
-            </a:r>
-            <a:r>
-              <a:rPr lang="en-US" b="0" dirty="0">
-                <a:solidFill>
-                  <a:srgbClr val="CE9178"/>
-                </a:solidFill>
-                <a:effectLst/>
-                <a:latin typeface="Consolas" panose="020B0609020204030204" pitchFamily="49" charset="0"/>
-              </a:rPr>
-              <a:t>, often referred to as **Golang** due to its domain name (golang.org), is an open-source programming language developed for system-level and web-scale software. It combines the performance and safety of a statically typed language with the speed of dynamic languages. Go is compiled, meaning it translates source code directly into machine code, resulting in fast executables. Its design emphasizes simplicity and clarity, making it an ideal language for modern backend development, cloud services, and microservices."</a:t>
-            </a:r>
-            <a:r>
-              <a:rPr lang="en-US" b="0" dirty="0">
-                <a:solidFill>
-                  <a:srgbClr val="CCCCCC"/>
-                </a:solidFill>
-                <a:effectLst/>
-                <a:latin typeface="Consolas" panose="020B0609020204030204" pitchFamily="49" charset="0"/>
-              </a:rPr>
-              <a:t>,</a:t>
+              <a:rPr lang="en-US" dirty="0"/>
+              <a:t>It was built for writing </a:t>
+            </a:r>
+            <a:r>
+              <a:rPr lang="en-US" b="1" dirty="0"/>
+              <a:t>high-performance</a:t>
+            </a:r>
+            <a:r>
+              <a:rPr lang="en-US" dirty="0"/>
+              <a:t>, </a:t>
+            </a:r>
+            <a:r>
+              <a:rPr lang="en-US" b="1" dirty="0"/>
+              <a:t>scalable</a:t>
+            </a:r>
+            <a:r>
+              <a:rPr lang="en-US" dirty="0"/>
+              <a:t>, and </a:t>
+            </a:r>
+            <a:r>
+              <a:rPr lang="en-US" b="1" dirty="0"/>
+              <a:t>reliable</a:t>
+            </a:r>
+            <a:r>
+              <a:rPr lang="en-US" dirty="0"/>
+              <a:t> software — especially things like </a:t>
+            </a:r>
+            <a:r>
+              <a:rPr lang="en-US" b="1" dirty="0"/>
+              <a:t>backend systems</a:t>
+            </a:r>
+            <a:r>
+              <a:rPr lang="en-US" dirty="0"/>
+              <a:t>, </a:t>
+            </a:r>
+            <a:r>
+              <a:rPr lang="en-US" b="1" dirty="0"/>
+              <a:t>cloud services</a:t>
+            </a:r>
+            <a:r>
+              <a:rPr lang="en-US" dirty="0"/>
+              <a:t>, and </a:t>
+            </a:r>
+            <a:r>
+              <a:rPr lang="en-US" b="1" dirty="0"/>
+              <a:t>microservices</a:t>
+            </a:r>
+            <a:r>
+              <a:rPr lang="en-US" dirty="0"/>
+              <a:t>. The cool part? Go gives you the </a:t>
+            </a:r>
+            <a:r>
+              <a:rPr lang="en-US" b="1" dirty="0"/>
+              <a:t>speed and safety</a:t>
+            </a:r>
+            <a:r>
+              <a:rPr lang="en-US" dirty="0"/>
+              <a:t> of a statically typed language, but it feels just as fast to work with as a dynamic one like Python.</a:t>
             </a:r>
           </a:p>
           <a:p>
             <a:pPr>
-              <a:lnSpc>
-                <a:spcPts val="1425"/>
-              </a:lnSpc>
               <a:buNone/>
             </a:pPr>
             <a:r>
-              <a:rPr lang="en-US" b="0" dirty="0">
-                <a:solidFill>
-                  <a:srgbClr val="CCCCCC"/>
-                </a:solidFill>
-                <a:effectLst/>
-                <a:latin typeface="Consolas" panose="020B0609020204030204" pitchFamily="49" charset="0"/>
-              </a:rPr>
-              <a:t>        </a:t>
-            </a:r>
-            <a:r>
-              <a:rPr lang="en-US" b="0" dirty="0">
-                <a:solidFill>
-                  <a:srgbClr val="9CDCFE"/>
-                </a:solidFill>
-                <a:effectLst/>
-                <a:latin typeface="Consolas" panose="020B0609020204030204" pitchFamily="49" charset="0"/>
-              </a:rPr>
-              <a:t>"</a:t>
-            </a:r>
-            <a:r>
-              <a:rPr lang="en-US" b="0" dirty="0" err="1">
-                <a:solidFill>
-                  <a:srgbClr val="9CDCFE"/>
-                </a:solidFill>
-                <a:effectLst/>
-                <a:latin typeface="Consolas" panose="020B0609020204030204" pitchFamily="49" charset="0"/>
-              </a:rPr>
-              <a:t>slide_type</a:t>
-            </a:r>
-            <a:r>
-              <a:rPr lang="en-US" b="0" dirty="0">
-                <a:solidFill>
-                  <a:srgbClr val="9CDCFE"/>
-                </a:solidFill>
-                <a:effectLst/>
-                <a:latin typeface="Consolas" panose="020B0609020204030204" pitchFamily="49" charset="0"/>
-              </a:rPr>
-              <a:t>"</a:t>
-            </a:r>
-            <a:r>
-              <a:rPr lang="en-US" b="0" dirty="0">
-                <a:solidFill>
-                  <a:srgbClr val="CCCCCC"/>
-                </a:solidFill>
-                <a:effectLst/>
-                <a:latin typeface="Consolas" panose="020B0609020204030204" pitchFamily="49" charset="0"/>
-              </a:rPr>
-              <a:t>: </a:t>
-            </a:r>
-            <a:r>
-              <a:rPr lang="en-US" b="0" dirty="0">
-                <a:solidFill>
-                  <a:srgbClr val="CE9178"/>
-                </a:solidFill>
-                <a:effectLst/>
-                <a:latin typeface="Consolas" panose="020B0609020204030204" pitchFamily="49" charset="0"/>
-              </a:rPr>
-              <a:t>"text"</a:t>
-            </a:r>
-            <a:endParaRPr lang="en-US" b="0" dirty="0">
-              <a:solidFill>
-                <a:srgbClr val="CCCCCC"/>
-              </a:solidFill>
-              <a:effectLst/>
-              <a:latin typeface="Consolas" panose="020B0609020204030204" pitchFamily="49" charset="0"/>
-            </a:endParaRPr>
+              <a:rPr lang="en-US" dirty="0"/>
+              <a:t>Also, it’s a </a:t>
+            </a:r>
+            <a:r>
+              <a:rPr lang="en-US" b="1" dirty="0"/>
+              <a:t>compiled language</a:t>
+            </a:r>
+            <a:r>
+              <a:rPr lang="en-US" dirty="0"/>
+              <a:t>, meaning when you write Go code, it gets translated directly into machine code — so your programs run super fast.</a:t>
+            </a:r>
           </a:p>
           <a:p>
             <a:pPr>
-              <a:lnSpc>
-                <a:spcPts val="1425"/>
-              </a:lnSpc>
               <a:buNone/>
             </a:pPr>
             <a:r>
-              <a:rPr lang="en-US" b="0" dirty="0">
-                <a:solidFill>
-                  <a:srgbClr val="CCCCCC"/>
-                </a:solidFill>
-                <a:effectLst/>
-                <a:latin typeface="Consolas" panose="020B0609020204030204" pitchFamily="49" charset="0"/>
-              </a:rPr>
-              <a:t>    },</a:t>
+              <a:rPr lang="en-US" dirty="0"/>
+              <a:t>And the overall design? Super clean, super simple — very easy to read and maintain. Perfect for teams and large codebases.</a:t>
             </a:r>
           </a:p>
           <a:p>
             <a:pPr>
-              <a:lnSpc>
-                <a:spcPts val="1425"/>
-              </a:lnSpc>
               <a:buNone/>
             </a:pPr>
             <a:r>
-              <a:rPr lang="en-US" b="0" dirty="0">
-                <a:solidFill>
-                  <a:srgbClr val="CCCCCC"/>
-                </a:solidFill>
-                <a:effectLst/>
-                <a:latin typeface="Consolas" panose="020B0609020204030204" pitchFamily="49" charset="0"/>
-              </a:rPr>
-              <a:t>    {</a:t>
-            </a:r>
+              <a:rPr lang="en-US" dirty="0"/>
+              <a:t>🟨 </a:t>
+            </a:r>
+            <a:r>
+              <a:rPr lang="en-US" b="1" dirty="0"/>
+              <a:t>[Slide 2: Who Developed Go?]</a:t>
+            </a:r>
+            <a:endParaRPr lang="en-US" dirty="0"/>
           </a:p>
           <a:p>
             <a:pPr>
-              <a:lnSpc>
-                <a:spcPts val="1425"/>
-              </a:lnSpc>
               <a:buNone/>
             </a:pPr>
             <a:r>
-              <a:rPr lang="en-US" b="0" dirty="0">
-                <a:solidFill>
-                  <a:srgbClr val="CCCCCC"/>
-                </a:solidFill>
-                <a:effectLst/>
-                <a:latin typeface="Consolas" panose="020B0609020204030204" pitchFamily="49" charset="0"/>
-              </a:rPr>
-              <a:t>        </a:t>
-            </a:r>
-            <a:r>
-              <a:rPr lang="en-US" b="0" dirty="0">
-                <a:solidFill>
-                  <a:srgbClr val="9CDCFE"/>
-                </a:solidFill>
-                <a:effectLst/>
-                <a:latin typeface="Consolas" panose="020B0609020204030204" pitchFamily="49" charset="0"/>
-              </a:rPr>
-              <a:t>"title"</a:t>
-            </a:r>
-            <a:r>
-              <a:rPr lang="en-US" b="0" dirty="0">
-                <a:solidFill>
-                  <a:srgbClr val="CCCCCC"/>
-                </a:solidFill>
-                <a:effectLst/>
-                <a:latin typeface="Consolas" panose="020B0609020204030204" pitchFamily="49" charset="0"/>
-              </a:rPr>
-              <a:t>: </a:t>
-            </a:r>
-            <a:r>
-              <a:rPr lang="en-US" b="0" dirty="0">
-                <a:solidFill>
-                  <a:srgbClr val="CE9178"/>
-                </a:solidFill>
-                <a:effectLst/>
-                <a:latin typeface="Consolas" panose="020B0609020204030204" pitchFamily="49" charset="0"/>
-              </a:rPr>
-              <a:t>"Who Developed Go?"</a:t>
-            </a:r>
-            <a:r>
-              <a:rPr lang="en-US" b="0" dirty="0">
-                <a:solidFill>
-                  <a:srgbClr val="CCCCCC"/>
-                </a:solidFill>
-                <a:effectLst/>
-                <a:latin typeface="Consolas" panose="020B0609020204030204" pitchFamily="49" charset="0"/>
-              </a:rPr>
-              <a:t>,</a:t>
+              <a:rPr lang="en-US" dirty="0"/>
+              <a:t>Go was created back in </a:t>
+            </a:r>
+            <a:r>
+              <a:rPr lang="en-US" b="1" dirty="0"/>
+              <a:t>2007 at Google</a:t>
+            </a:r>
+            <a:r>
+              <a:rPr lang="en-US" dirty="0"/>
+              <a:t> — and not just by anyone. The minds behind it? </a:t>
+            </a:r>
+            <a:r>
+              <a:rPr lang="en-US" b="1" dirty="0"/>
+              <a:t>Robert Griesemer</a:t>
+            </a:r>
+            <a:r>
+              <a:rPr lang="en-US" dirty="0"/>
+              <a:t>, </a:t>
+            </a:r>
+            <a:r>
+              <a:rPr lang="en-US" b="1" dirty="0"/>
+              <a:t>Rob Pike</a:t>
+            </a:r>
+            <a:r>
+              <a:rPr lang="en-US" dirty="0"/>
+              <a:t>, and </a:t>
+            </a:r>
+            <a:r>
+              <a:rPr lang="en-US" b="1" dirty="0"/>
+              <a:t>Ken Thompson</a:t>
+            </a:r>
+            <a:r>
+              <a:rPr lang="en-US" dirty="0"/>
+              <a:t>.</a:t>
             </a:r>
           </a:p>
           <a:p>
             <a:pPr>
-              <a:lnSpc>
-                <a:spcPts val="1425"/>
-              </a:lnSpc>
               <a:buNone/>
             </a:pPr>
             <a:r>
-              <a:rPr lang="en-US" b="0" dirty="0">
-                <a:solidFill>
-                  <a:srgbClr val="CCCCCC"/>
-                </a:solidFill>
-                <a:effectLst/>
-                <a:latin typeface="Consolas" panose="020B0609020204030204" pitchFamily="49" charset="0"/>
-              </a:rPr>
-              <a:t>        </a:t>
-            </a:r>
-            <a:r>
-              <a:rPr lang="en-US" b="0" dirty="0">
-                <a:solidFill>
-                  <a:srgbClr val="9CDCFE"/>
-                </a:solidFill>
-                <a:effectLst/>
-                <a:latin typeface="Consolas" panose="020B0609020204030204" pitchFamily="49" charset="0"/>
-              </a:rPr>
-              <a:t>"content"</a:t>
-            </a:r>
-            <a:r>
-              <a:rPr lang="en-US" b="0" dirty="0">
-                <a:solidFill>
-                  <a:srgbClr val="CCCCCC"/>
-                </a:solidFill>
-                <a:effectLst/>
-                <a:latin typeface="Consolas" panose="020B0609020204030204" pitchFamily="49" charset="0"/>
-              </a:rPr>
-              <a:t>: </a:t>
-            </a:r>
-            <a:r>
-              <a:rPr lang="en-US" b="0" dirty="0">
-                <a:solidFill>
-                  <a:srgbClr val="CE9178"/>
-                </a:solidFill>
-                <a:effectLst/>
-                <a:latin typeface="Consolas" panose="020B0609020204030204" pitchFamily="49" charset="0"/>
-              </a:rPr>
-              <a:t>"### Developed By:</a:t>
-            </a:r>
-            <a:r>
-              <a:rPr lang="en-US" b="0" dirty="0">
-                <a:solidFill>
-                  <a:srgbClr val="D7BA7D"/>
-                </a:solidFill>
-                <a:effectLst/>
-                <a:latin typeface="Consolas" panose="020B0609020204030204" pitchFamily="49" charset="0"/>
-              </a:rPr>
-              <a:t>\</a:t>
-            </a:r>
-            <a:r>
-              <a:rPr lang="en-US" b="0" dirty="0" err="1">
-                <a:solidFill>
-                  <a:srgbClr val="D7BA7D"/>
-                </a:solidFill>
-                <a:effectLst/>
-                <a:latin typeface="Consolas" panose="020B0609020204030204" pitchFamily="49" charset="0"/>
-              </a:rPr>
-              <a:t>n</a:t>
-            </a:r>
-            <a:r>
-              <a:rPr lang="en-US" b="0" dirty="0" err="1">
-                <a:solidFill>
-                  <a:srgbClr val="CE9178"/>
-                </a:solidFill>
-                <a:effectLst/>
-                <a:latin typeface="Consolas" panose="020B0609020204030204" pitchFamily="49" charset="0"/>
-              </a:rPr>
-              <a:t>Go</a:t>
-            </a:r>
-            <a:r>
-              <a:rPr lang="en-US" b="0" dirty="0">
-                <a:solidFill>
-                  <a:srgbClr val="CE9178"/>
-                </a:solidFill>
-                <a:effectLst/>
-                <a:latin typeface="Consolas" panose="020B0609020204030204" pitchFamily="49" charset="0"/>
-              </a:rPr>
-              <a:t> was developed at **Google in 2007** by three renowned computer scientists: **Robert Griesemer**, **Rob Pike**, and **Ken Thompson**. Each of them played a major role in the history of computing—Thompson co-created Unix and the C programming language. Their goal with Go was to create a language that addressed the complexity, slowness, and scaling issues of C++ and Java, especially for Google’s massive codebase and infrastructure. It became open source in 2009 to build a broader community around it."</a:t>
-            </a:r>
-            <a:r>
-              <a:rPr lang="en-US" b="0" dirty="0">
-                <a:solidFill>
-                  <a:srgbClr val="CCCCCC"/>
-                </a:solidFill>
-                <a:effectLst/>
-                <a:latin typeface="Consolas" panose="020B0609020204030204" pitchFamily="49" charset="0"/>
-              </a:rPr>
-              <a:t>,</a:t>
+              <a:rPr lang="en-US" dirty="0"/>
+              <a:t>Yes, </a:t>
+            </a:r>
+            <a:r>
+              <a:rPr lang="en-US" i="1" dirty="0"/>
+              <a:t>that</a:t>
+            </a:r>
+            <a:r>
+              <a:rPr lang="en-US" dirty="0"/>
+              <a:t> Ken Thompson — the legend who helped create </a:t>
+            </a:r>
+            <a:r>
+              <a:rPr lang="en-US" b="1" dirty="0"/>
+              <a:t>Unix</a:t>
+            </a:r>
+            <a:r>
+              <a:rPr lang="en-US" dirty="0"/>
+              <a:t> and </a:t>
+            </a:r>
+            <a:r>
+              <a:rPr lang="en-US" b="1" dirty="0"/>
+              <a:t>C</a:t>
+            </a:r>
+            <a:r>
+              <a:rPr lang="en-US" dirty="0"/>
+              <a:t>. 🧠</a:t>
             </a:r>
           </a:p>
           <a:p>
             <a:pPr>
-              <a:lnSpc>
-                <a:spcPts val="1425"/>
-              </a:lnSpc>
               <a:buNone/>
             </a:pPr>
             <a:r>
-              <a:rPr lang="en-US" b="0" dirty="0">
-                <a:solidFill>
-                  <a:srgbClr val="CCCCCC"/>
-                </a:solidFill>
-                <a:effectLst/>
-                <a:latin typeface="Consolas" panose="020B0609020204030204" pitchFamily="49" charset="0"/>
-              </a:rPr>
-              <a:t>        </a:t>
-            </a:r>
-            <a:r>
-              <a:rPr lang="en-US" b="0" dirty="0">
-                <a:solidFill>
-                  <a:srgbClr val="9CDCFE"/>
-                </a:solidFill>
-                <a:effectLst/>
-                <a:latin typeface="Consolas" panose="020B0609020204030204" pitchFamily="49" charset="0"/>
-              </a:rPr>
-              <a:t>"</a:t>
-            </a:r>
-            <a:r>
-              <a:rPr lang="en-US" b="0" dirty="0" err="1">
-                <a:solidFill>
-                  <a:srgbClr val="9CDCFE"/>
-                </a:solidFill>
-                <a:effectLst/>
-                <a:latin typeface="Consolas" panose="020B0609020204030204" pitchFamily="49" charset="0"/>
-              </a:rPr>
-              <a:t>slide_type</a:t>
-            </a:r>
-            <a:r>
-              <a:rPr lang="en-US" b="0" dirty="0">
-                <a:solidFill>
-                  <a:srgbClr val="9CDCFE"/>
-                </a:solidFill>
-                <a:effectLst/>
-                <a:latin typeface="Consolas" panose="020B0609020204030204" pitchFamily="49" charset="0"/>
-              </a:rPr>
-              <a:t>"</a:t>
-            </a:r>
-            <a:r>
-              <a:rPr lang="en-US" b="0" dirty="0">
-                <a:solidFill>
-                  <a:srgbClr val="CCCCCC"/>
-                </a:solidFill>
-                <a:effectLst/>
-                <a:latin typeface="Consolas" panose="020B0609020204030204" pitchFamily="49" charset="0"/>
-              </a:rPr>
-              <a:t>: </a:t>
-            </a:r>
-            <a:r>
-              <a:rPr lang="en-US" b="0" dirty="0">
-                <a:solidFill>
-                  <a:srgbClr val="CE9178"/>
-                </a:solidFill>
-                <a:effectLst/>
-                <a:latin typeface="Consolas" panose="020B0609020204030204" pitchFamily="49" charset="0"/>
-              </a:rPr>
-              <a:t>"text"</a:t>
-            </a:r>
-            <a:endParaRPr lang="en-US" b="0" dirty="0">
-              <a:solidFill>
-                <a:srgbClr val="CCCCCC"/>
-              </a:solidFill>
-              <a:effectLst/>
-              <a:latin typeface="Consolas" panose="020B0609020204030204" pitchFamily="49" charset="0"/>
-            </a:endParaRPr>
+              <a:rPr lang="en-US" dirty="0"/>
+              <a:t>The team at Google needed a language that could handle massive projects but without the complexity of C++ or the limitations of Java. So, they decided to build one from scratch.</a:t>
+            </a:r>
           </a:p>
           <a:p>
             <a:pPr>
-              <a:lnSpc>
-                <a:spcPts val="1425"/>
-              </a:lnSpc>
               <a:buNone/>
             </a:pPr>
             <a:r>
-              <a:rPr lang="en-US" b="0" dirty="0">
-                <a:solidFill>
-                  <a:srgbClr val="CCCCCC"/>
-                </a:solidFill>
-                <a:effectLst/>
-                <a:latin typeface="Consolas" panose="020B0609020204030204" pitchFamily="49" charset="0"/>
-              </a:rPr>
-              <a:t>    },</a:t>
+              <a:rPr lang="en-US" dirty="0"/>
+              <a:t>By </a:t>
+            </a:r>
+            <a:r>
+              <a:rPr lang="en-US" b="1" dirty="0"/>
+              <a:t>2009</a:t>
+            </a:r>
+            <a:r>
+              <a:rPr lang="en-US" dirty="0"/>
+              <a:t>, Go became </a:t>
+            </a:r>
+            <a:r>
+              <a:rPr lang="en-US" b="1" dirty="0"/>
+              <a:t>open-source</a:t>
+            </a:r>
+            <a:r>
+              <a:rPr lang="en-US" dirty="0"/>
+              <a:t>, and the wider developer community started contributing to its growth.</a:t>
             </a:r>
           </a:p>
           <a:p>
             <a:pPr>
-              <a:lnSpc>
-                <a:spcPts val="1425"/>
-              </a:lnSpc>
               <a:buNone/>
             </a:pPr>
             <a:r>
-              <a:rPr lang="en-US" b="0" dirty="0">
-                <a:solidFill>
-                  <a:srgbClr val="CCCCCC"/>
-                </a:solidFill>
-                <a:effectLst/>
-                <a:latin typeface="Consolas" panose="020B0609020204030204" pitchFamily="49" charset="0"/>
-              </a:rPr>
-              <a:t>    {</a:t>
-            </a:r>
+              <a:rPr lang="en-US" dirty="0"/>
+              <a:t>🟦 </a:t>
+            </a:r>
+            <a:r>
+              <a:rPr lang="en-US" b="1" dirty="0"/>
+              <a:t>[Slide 3: Why Go Was Created]</a:t>
+            </a:r>
+            <a:endParaRPr lang="en-US" dirty="0"/>
           </a:p>
           <a:p>
             <a:pPr>
-              <a:lnSpc>
-                <a:spcPts val="1425"/>
-              </a:lnSpc>
               <a:buNone/>
             </a:pPr>
             <a:r>
-              <a:rPr lang="en-US" b="0" dirty="0">
-                <a:solidFill>
-                  <a:srgbClr val="CCCCCC"/>
-                </a:solidFill>
-                <a:effectLst/>
-                <a:latin typeface="Consolas" panose="020B0609020204030204" pitchFamily="49" charset="0"/>
-              </a:rPr>
-              <a:t>        </a:t>
-            </a:r>
-            <a:r>
-              <a:rPr lang="en-US" b="0" dirty="0">
-                <a:solidFill>
-                  <a:srgbClr val="9CDCFE"/>
-                </a:solidFill>
-                <a:effectLst/>
-                <a:latin typeface="Consolas" panose="020B0609020204030204" pitchFamily="49" charset="0"/>
-              </a:rPr>
-              <a:t>"title"</a:t>
-            </a:r>
-            <a:r>
-              <a:rPr lang="en-US" b="0" dirty="0">
-                <a:solidFill>
-                  <a:srgbClr val="CCCCCC"/>
-                </a:solidFill>
-                <a:effectLst/>
-                <a:latin typeface="Consolas" panose="020B0609020204030204" pitchFamily="49" charset="0"/>
-              </a:rPr>
-              <a:t>: </a:t>
-            </a:r>
-            <a:r>
-              <a:rPr lang="en-US" b="0" dirty="0">
-                <a:solidFill>
-                  <a:srgbClr val="CE9178"/>
-                </a:solidFill>
-                <a:effectLst/>
-                <a:latin typeface="Consolas" panose="020B0609020204030204" pitchFamily="49" charset="0"/>
-              </a:rPr>
-              <a:t>"Why Go Was Created"</a:t>
-            </a:r>
-            <a:r>
-              <a:rPr lang="en-US" b="0" dirty="0">
-                <a:solidFill>
-                  <a:srgbClr val="CCCCCC"/>
-                </a:solidFill>
-                <a:effectLst/>
-                <a:latin typeface="Consolas" panose="020B0609020204030204" pitchFamily="49" charset="0"/>
-              </a:rPr>
-              <a:t>,</a:t>
+              <a:rPr lang="en-US" dirty="0"/>
+              <a:t>So why did they even bother creating a new language?</a:t>
             </a:r>
           </a:p>
           <a:p>
             <a:pPr>
-              <a:lnSpc>
-                <a:spcPts val="1425"/>
-              </a:lnSpc>
               <a:buNone/>
             </a:pPr>
             <a:r>
-              <a:rPr lang="en-US" b="0" dirty="0">
-                <a:solidFill>
-                  <a:srgbClr val="CCCCCC"/>
-                </a:solidFill>
-                <a:effectLst/>
-                <a:latin typeface="Consolas" panose="020B0609020204030204" pitchFamily="49" charset="0"/>
-              </a:rPr>
-              <a:t>        </a:t>
-            </a:r>
-            <a:r>
-              <a:rPr lang="en-US" b="0" dirty="0">
-                <a:solidFill>
-                  <a:srgbClr val="9CDCFE"/>
-                </a:solidFill>
-                <a:effectLst/>
-                <a:latin typeface="Consolas" panose="020B0609020204030204" pitchFamily="49" charset="0"/>
-              </a:rPr>
-              <a:t>"content"</a:t>
-            </a:r>
-            <a:r>
-              <a:rPr lang="en-US" b="0" dirty="0">
-                <a:solidFill>
-                  <a:srgbClr val="CCCCCC"/>
-                </a:solidFill>
-                <a:effectLst/>
-                <a:latin typeface="Consolas" panose="020B0609020204030204" pitchFamily="49" charset="0"/>
-              </a:rPr>
-              <a:t>: </a:t>
-            </a:r>
-            <a:r>
-              <a:rPr lang="en-US" b="0" dirty="0">
-                <a:solidFill>
-                  <a:srgbClr val="CE9178"/>
-                </a:solidFill>
-                <a:effectLst/>
-                <a:latin typeface="Consolas" panose="020B0609020204030204" pitchFamily="49" charset="0"/>
-              </a:rPr>
-              <a:t>"### Motivation Behind Go:</a:t>
-            </a:r>
-            <a:r>
-              <a:rPr lang="en-US" b="0" dirty="0">
-                <a:solidFill>
-                  <a:srgbClr val="D7BA7D"/>
-                </a:solidFill>
-                <a:effectLst/>
-                <a:latin typeface="Consolas" panose="020B0609020204030204" pitchFamily="49" charset="0"/>
-              </a:rPr>
-              <a:t>\</a:t>
-            </a:r>
-            <a:r>
-              <a:rPr lang="en-US" b="0" dirty="0" err="1">
-                <a:solidFill>
-                  <a:srgbClr val="D7BA7D"/>
-                </a:solidFill>
-                <a:effectLst/>
-                <a:latin typeface="Consolas" panose="020B0609020204030204" pitchFamily="49" charset="0"/>
-              </a:rPr>
-              <a:t>n</a:t>
-            </a:r>
-            <a:r>
-              <a:rPr lang="en-US" b="0" dirty="0" err="1">
-                <a:solidFill>
-                  <a:srgbClr val="CE9178"/>
-                </a:solidFill>
-                <a:effectLst/>
-                <a:latin typeface="Consolas" panose="020B0609020204030204" pitchFamily="49" charset="0"/>
-              </a:rPr>
-              <a:t>The</a:t>
-            </a:r>
-            <a:r>
-              <a:rPr lang="en-US" b="0" dirty="0">
-                <a:solidFill>
-                  <a:srgbClr val="CE9178"/>
-                </a:solidFill>
-                <a:effectLst/>
-                <a:latin typeface="Consolas" panose="020B0609020204030204" pitchFamily="49" charset="0"/>
-              </a:rPr>
-              <a:t> creators of Go observed that existing languages at Google were either too slow in compilation (like C++) or lacked essential features such as proper concurrency (like Java and Python). Go was designed to:</a:t>
-            </a:r>
-            <a:r>
-              <a:rPr lang="en-US" b="0" dirty="0">
-                <a:solidFill>
-                  <a:srgbClr val="D7BA7D"/>
-                </a:solidFill>
-                <a:effectLst/>
-                <a:latin typeface="Consolas" panose="020B0609020204030204" pitchFamily="49" charset="0"/>
-              </a:rPr>
-              <a:t>\n</a:t>
-            </a:r>
-            <a:r>
-              <a:rPr lang="en-US" b="0" dirty="0">
-                <a:solidFill>
-                  <a:srgbClr val="CE9178"/>
-                </a:solidFill>
-                <a:effectLst/>
-                <a:latin typeface="Consolas" panose="020B0609020204030204" pitchFamily="49" charset="0"/>
-              </a:rPr>
-              <a:t>- **Simplify software development** with clean syntax and modern tools.</a:t>
-            </a:r>
-            <a:r>
-              <a:rPr lang="en-US" b="0" dirty="0">
-                <a:solidFill>
-                  <a:srgbClr val="D7BA7D"/>
-                </a:solidFill>
-                <a:effectLst/>
-                <a:latin typeface="Consolas" panose="020B0609020204030204" pitchFamily="49" charset="0"/>
-              </a:rPr>
-              <a:t>\n</a:t>
-            </a:r>
-            <a:r>
-              <a:rPr lang="en-US" b="0" dirty="0">
-                <a:solidFill>
-                  <a:srgbClr val="CE9178"/>
-                </a:solidFill>
-                <a:effectLst/>
-                <a:latin typeface="Consolas" panose="020B0609020204030204" pitchFamily="49" charset="0"/>
-              </a:rPr>
-              <a:t>- **Speed up build times** with lightning-fast compilation.</a:t>
-            </a:r>
-            <a:r>
-              <a:rPr lang="en-US" b="0" dirty="0">
-                <a:solidFill>
-                  <a:srgbClr val="D7BA7D"/>
-                </a:solidFill>
-                <a:effectLst/>
-                <a:latin typeface="Consolas" panose="020B0609020204030204" pitchFamily="49" charset="0"/>
-              </a:rPr>
-              <a:t>\n</a:t>
-            </a:r>
-            <a:r>
-              <a:rPr lang="en-US" b="0" dirty="0">
-                <a:solidFill>
-                  <a:srgbClr val="CE9178"/>
-                </a:solidFill>
-                <a:effectLst/>
-                <a:latin typeface="Consolas" panose="020B0609020204030204" pitchFamily="49" charset="0"/>
-              </a:rPr>
-              <a:t>- **Handle concurrent workloads** through built-in concurrency primitives.</a:t>
-            </a:r>
-            <a:r>
-              <a:rPr lang="en-US" b="0" dirty="0">
-                <a:solidFill>
-                  <a:srgbClr val="D7BA7D"/>
-                </a:solidFill>
-                <a:effectLst/>
-                <a:latin typeface="Consolas" panose="020B0609020204030204" pitchFamily="49" charset="0"/>
-              </a:rPr>
-              <a:t>\n</a:t>
-            </a:r>
-            <a:r>
-              <a:rPr lang="en-US" b="0" dirty="0">
-                <a:solidFill>
-                  <a:srgbClr val="CE9178"/>
-                </a:solidFill>
-                <a:effectLst/>
-                <a:latin typeface="Consolas" panose="020B0609020204030204" pitchFamily="49" charset="0"/>
-              </a:rPr>
-              <a:t>- **Improve code maintainability** in large-scale codebases.</a:t>
-            </a:r>
-            <a:r>
-              <a:rPr lang="en-US" b="0" dirty="0">
-                <a:solidFill>
-                  <a:srgbClr val="D7BA7D"/>
-                </a:solidFill>
-                <a:effectLst/>
-                <a:latin typeface="Consolas" panose="020B0609020204030204" pitchFamily="49" charset="0"/>
-              </a:rPr>
-              <a:t>\</a:t>
-            </a:r>
-            <a:r>
-              <a:rPr lang="en-US" b="0" dirty="0" err="1">
-                <a:solidFill>
-                  <a:srgbClr val="D7BA7D"/>
-                </a:solidFill>
-                <a:effectLst/>
-                <a:latin typeface="Consolas" panose="020B0609020204030204" pitchFamily="49" charset="0"/>
-              </a:rPr>
-              <a:t>n</a:t>
-            </a:r>
-            <a:r>
-              <a:rPr lang="en-US" b="0" dirty="0" err="1">
-                <a:solidFill>
-                  <a:srgbClr val="CE9178"/>
-                </a:solidFill>
-                <a:effectLst/>
-                <a:latin typeface="Consolas" panose="020B0609020204030204" pitchFamily="49" charset="0"/>
-              </a:rPr>
-              <a:t>It</a:t>
-            </a:r>
-            <a:r>
-              <a:rPr lang="en-US" b="0" dirty="0">
-                <a:solidFill>
-                  <a:srgbClr val="CE9178"/>
-                </a:solidFill>
-                <a:effectLst/>
-                <a:latin typeface="Consolas" panose="020B0609020204030204" pitchFamily="49" charset="0"/>
-              </a:rPr>
-              <a:t> was a response to real-world engineering challenges rather than academic problems."</a:t>
-            </a:r>
-            <a:r>
-              <a:rPr lang="en-US" b="0" dirty="0">
-                <a:solidFill>
-                  <a:srgbClr val="CCCCCC"/>
-                </a:solidFill>
-                <a:effectLst/>
-                <a:latin typeface="Consolas" panose="020B0609020204030204" pitchFamily="49" charset="0"/>
-              </a:rPr>
-              <a:t>,</a:t>
+              <a:rPr lang="en-US" dirty="0"/>
+              <a:t>Well, at the time, existing languages at Google had some serious issues.</a:t>
             </a:r>
           </a:p>
           <a:p>
             <a:pPr>
-              <a:lnSpc>
-                <a:spcPts val="1425"/>
-              </a:lnSpc>
-              <a:buNone/>
+              <a:buFont typeface="Arial" panose="020B0604020202020204" pitchFamily="34" charset="0"/>
+              <a:buChar char="•"/>
             </a:pPr>
             <a:r>
-              <a:rPr lang="en-US" b="0" dirty="0">
-                <a:solidFill>
-                  <a:srgbClr val="CCCCCC"/>
-                </a:solidFill>
-                <a:effectLst/>
-                <a:latin typeface="Consolas" panose="020B0609020204030204" pitchFamily="49" charset="0"/>
-              </a:rPr>
-              <a:t>        </a:t>
-            </a:r>
-            <a:r>
-              <a:rPr lang="en-US" b="0" dirty="0">
-                <a:solidFill>
-                  <a:srgbClr val="9CDCFE"/>
-                </a:solidFill>
-                <a:effectLst/>
-                <a:latin typeface="Consolas" panose="020B0609020204030204" pitchFamily="49" charset="0"/>
-              </a:rPr>
-              <a:t>"</a:t>
-            </a:r>
-            <a:r>
-              <a:rPr lang="en-US" b="0" dirty="0" err="1">
-                <a:solidFill>
-                  <a:srgbClr val="9CDCFE"/>
-                </a:solidFill>
-                <a:effectLst/>
-                <a:latin typeface="Consolas" panose="020B0609020204030204" pitchFamily="49" charset="0"/>
-              </a:rPr>
-              <a:t>slide_type</a:t>
-            </a:r>
-            <a:r>
-              <a:rPr lang="en-US" b="0" dirty="0">
-                <a:solidFill>
-                  <a:srgbClr val="9CDCFE"/>
-                </a:solidFill>
-                <a:effectLst/>
-                <a:latin typeface="Consolas" panose="020B0609020204030204" pitchFamily="49" charset="0"/>
-              </a:rPr>
-              <a:t>"</a:t>
-            </a:r>
-            <a:r>
-              <a:rPr lang="en-US" b="0" dirty="0">
-                <a:solidFill>
-                  <a:srgbClr val="CCCCCC"/>
-                </a:solidFill>
-                <a:effectLst/>
-                <a:latin typeface="Consolas" panose="020B0609020204030204" pitchFamily="49" charset="0"/>
-              </a:rPr>
-              <a:t>: </a:t>
-            </a:r>
-            <a:r>
-              <a:rPr lang="en-US" b="0" dirty="0">
-                <a:solidFill>
-                  <a:srgbClr val="CE9178"/>
-                </a:solidFill>
-                <a:effectLst/>
-                <a:latin typeface="Consolas" panose="020B0609020204030204" pitchFamily="49" charset="0"/>
-              </a:rPr>
-              <a:t>"text"</a:t>
-            </a:r>
-            <a:endParaRPr lang="en-US" b="0" dirty="0">
-              <a:solidFill>
-                <a:srgbClr val="CCCCCC"/>
-              </a:solidFill>
-              <a:effectLst/>
-              <a:latin typeface="Consolas" panose="020B0609020204030204" pitchFamily="49" charset="0"/>
-            </a:endParaRPr>
+              <a:rPr lang="en-US" b="1" dirty="0"/>
+              <a:t>C++</a:t>
+            </a:r>
+            <a:r>
+              <a:rPr lang="en-US" dirty="0"/>
+              <a:t> was powerful but took forever to compile.</a:t>
+            </a:r>
           </a:p>
           <a:p>
             <a:pPr>
-              <a:lnSpc>
-                <a:spcPts val="1425"/>
-              </a:lnSpc>
-              <a:buNone/>
+              <a:buFont typeface="Arial" panose="020B0604020202020204" pitchFamily="34" charset="0"/>
+              <a:buChar char="•"/>
             </a:pPr>
             <a:r>
-              <a:rPr lang="en-US" b="0" dirty="0">
-                <a:solidFill>
-                  <a:srgbClr val="CCCCCC"/>
-                </a:solidFill>
-                <a:effectLst/>
-                <a:latin typeface="Consolas" panose="020B0609020204030204" pitchFamily="49" charset="0"/>
-              </a:rPr>
-              <a:t>    },</a:t>
+              <a:rPr lang="en-US" b="1" dirty="0"/>
+              <a:t>Java</a:t>
+            </a:r>
+            <a:r>
+              <a:rPr lang="en-US" dirty="0"/>
+              <a:t> and </a:t>
+            </a:r>
+            <a:r>
+              <a:rPr lang="en-US" b="1" dirty="0"/>
+              <a:t>Python</a:t>
+            </a:r>
+            <a:r>
+              <a:rPr lang="en-US" dirty="0"/>
+              <a:t> were easier to use but didn’t have good support for </a:t>
+            </a:r>
+            <a:r>
+              <a:rPr lang="en-US" b="1" dirty="0"/>
+              <a:t>concurrency</a:t>
+            </a:r>
+            <a:r>
+              <a:rPr lang="en-US" dirty="0"/>
+              <a:t> — basically, running multiple tasks at once efficiently.</a:t>
             </a:r>
           </a:p>
           <a:p>
             <a:pPr>
-              <a:lnSpc>
-                <a:spcPts val="1425"/>
-              </a:lnSpc>
               <a:buNone/>
             </a:pPr>
             <a:r>
-              <a:rPr lang="en-US" b="0" dirty="0">
-                <a:solidFill>
-                  <a:srgbClr val="CCCCCC"/>
-                </a:solidFill>
-                <a:effectLst/>
-                <a:latin typeface="Consolas" panose="020B0609020204030204" pitchFamily="49" charset="0"/>
-              </a:rPr>
-              <a:t>    {</a:t>
-            </a:r>
+              <a:rPr lang="en-US" dirty="0"/>
+              <a:t>So the creators said, </a:t>
+            </a:r>
+            <a:r>
+              <a:rPr lang="en-US" i="1" dirty="0"/>
+              <a:t>“Let’s build a language that’s fast to compile, easy to work with, and has built-in support for concurrency.”</a:t>
+            </a:r>
+            <a:endParaRPr lang="en-US" dirty="0"/>
           </a:p>
           <a:p>
             <a:pPr>
-              <a:lnSpc>
-                <a:spcPts val="1425"/>
-              </a:lnSpc>
               <a:buNone/>
             </a:pPr>
             <a:r>
-              <a:rPr lang="en-US" b="0" dirty="0">
-                <a:solidFill>
-                  <a:srgbClr val="CCCCCC"/>
-                </a:solidFill>
-                <a:effectLst/>
-                <a:latin typeface="Consolas" panose="020B0609020204030204" pitchFamily="49" charset="0"/>
-              </a:rPr>
-              <a:t>        </a:t>
-            </a:r>
-            <a:r>
-              <a:rPr lang="en-US" b="0" dirty="0">
-                <a:solidFill>
-                  <a:srgbClr val="9CDCFE"/>
-                </a:solidFill>
-                <a:effectLst/>
-                <a:latin typeface="Consolas" panose="020B0609020204030204" pitchFamily="49" charset="0"/>
-              </a:rPr>
-              <a:t>"title"</a:t>
-            </a:r>
-            <a:r>
-              <a:rPr lang="en-US" b="0" dirty="0">
-                <a:solidFill>
-                  <a:srgbClr val="CCCCCC"/>
-                </a:solidFill>
-                <a:effectLst/>
-                <a:latin typeface="Consolas" panose="020B0609020204030204" pitchFamily="49" charset="0"/>
-              </a:rPr>
-              <a:t>: </a:t>
-            </a:r>
-            <a:r>
-              <a:rPr lang="en-US" b="0" dirty="0">
-                <a:solidFill>
-                  <a:srgbClr val="CE9178"/>
-                </a:solidFill>
-                <a:effectLst/>
-                <a:latin typeface="Consolas" panose="020B0609020204030204" pitchFamily="49" charset="0"/>
-              </a:rPr>
-              <a:t>"Key Features of Go"</a:t>
-            </a:r>
-            <a:r>
-              <a:rPr lang="en-US" b="0" dirty="0">
-                <a:solidFill>
-                  <a:srgbClr val="CCCCCC"/>
-                </a:solidFill>
-                <a:effectLst/>
-                <a:latin typeface="Consolas" panose="020B0609020204030204" pitchFamily="49" charset="0"/>
-              </a:rPr>
-              <a:t>,</a:t>
+              <a:rPr lang="en-US" dirty="0"/>
+              <a:t>Here’s what they focused on:</a:t>
             </a:r>
           </a:p>
           <a:p>
             <a:pPr>
-              <a:lnSpc>
-                <a:spcPts val="1425"/>
-              </a:lnSpc>
-              <a:buNone/>
+              <a:buFont typeface="Arial" panose="020B0604020202020204" pitchFamily="34" charset="0"/>
+              <a:buChar char="•"/>
             </a:pPr>
             <a:r>
-              <a:rPr lang="en-US" b="0" dirty="0">
-                <a:solidFill>
-                  <a:srgbClr val="CCCCCC"/>
-                </a:solidFill>
-                <a:effectLst/>
-                <a:latin typeface="Consolas" panose="020B0609020204030204" pitchFamily="49" charset="0"/>
-              </a:rPr>
-              <a:t>        </a:t>
-            </a:r>
-            <a:r>
-              <a:rPr lang="en-US" b="0" dirty="0">
-                <a:solidFill>
-                  <a:srgbClr val="9CDCFE"/>
-                </a:solidFill>
-                <a:effectLst/>
-                <a:latin typeface="Consolas" panose="020B0609020204030204" pitchFamily="49" charset="0"/>
-              </a:rPr>
-              <a:t>"content"</a:t>
-            </a:r>
-            <a:r>
-              <a:rPr lang="en-US" b="0" dirty="0">
-                <a:solidFill>
-                  <a:srgbClr val="CCCCCC"/>
-                </a:solidFill>
-                <a:effectLst/>
-                <a:latin typeface="Consolas" panose="020B0609020204030204" pitchFamily="49" charset="0"/>
-              </a:rPr>
-              <a:t>: </a:t>
-            </a:r>
-            <a:r>
-              <a:rPr lang="en-US" b="0" dirty="0">
-                <a:solidFill>
-                  <a:srgbClr val="CE9178"/>
-                </a:solidFill>
-                <a:effectLst/>
-                <a:latin typeface="Consolas" panose="020B0609020204030204" pitchFamily="49" charset="0"/>
-              </a:rPr>
-              <a:t>"### Key Features:</a:t>
-            </a:r>
-            <a:r>
-              <a:rPr lang="en-US" b="0" dirty="0">
-                <a:solidFill>
-                  <a:srgbClr val="D7BA7D"/>
-                </a:solidFill>
-                <a:effectLst/>
-                <a:latin typeface="Consolas" panose="020B0609020204030204" pitchFamily="49" charset="0"/>
-              </a:rPr>
-              <a:t>\n</a:t>
-            </a:r>
-            <a:r>
-              <a:rPr lang="en-US" b="0" dirty="0">
-                <a:solidFill>
-                  <a:srgbClr val="CE9178"/>
-                </a:solidFill>
-                <a:effectLst/>
-                <a:latin typeface="Consolas" panose="020B0609020204030204" pitchFamily="49" charset="0"/>
-              </a:rPr>
-              <a:t>- ✅ **Fast Compilation**: Go compiles to machine code very quickly, speeding up development cycles.</a:t>
-            </a:r>
-            <a:r>
-              <a:rPr lang="en-US" b="0" dirty="0">
-                <a:solidFill>
-                  <a:srgbClr val="D7BA7D"/>
-                </a:solidFill>
-                <a:effectLst/>
-                <a:latin typeface="Consolas" panose="020B0609020204030204" pitchFamily="49" charset="0"/>
-              </a:rPr>
-              <a:t>\n</a:t>
-            </a:r>
-            <a:r>
-              <a:rPr lang="en-US" b="0" dirty="0">
-                <a:solidFill>
-                  <a:srgbClr val="CE9178"/>
-                </a:solidFill>
-                <a:effectLst/>
-                <a:latin typeface="Consolas" panose="020B0609020204030204" pitchFamily="49" charset="0"/>
-              </a:rPr>
-              <a:t>- ✅ **Built-in Concurrency**: Concurrency is a first-class citizen through **goroutines** (lightweight threads) and **channels** (safe data communication).</a:t>
-            </a:r>
-            <a:r>
-              <a:rPr lang="en-US" b="0" dirty="0">
-                <a:solidFill>
-                  <a:srgbClr val="D7BA7D"/>
-                </a:solidFill>
-                <a:effectLst/>
-                <a:latin typeface="Consolas" panose="020B0609020204030204" pitchFamily="49" charset="0"/>
-              </a:rPr>
-              <a:t>\n</a:t>
-            </a:r>
-            <a:r>
-              <a:rPr lang="en-US" b="0" dirty="0">
-                <a:solidFill>
-                  <a:srgbClr val="CE9178"/>
-                </a:solidFill>
-                <a:effectLst/>
-                <a:latin typeface="Consolas" panose="020B0609020204030204" pitchFamily="49" charset="0"/>
-              </a:rPr>
-              <a:t>- ✅ **Garbage Collection**: Automatic memory management without manual freeing of memory.</a:t>
-            </a:r>
-            <a:r>
-              <a:rPr lang="en-US" b="0" dirty="0">
-                <a:solidFill>
-                  <a:srgbClr val="D7BA7D"/>
-                </a:solidFill>
-                <a:effectLst/>
-                <a:latin typeface="Consolas" panose="020B0609020204030204" pitchFamily="49" charset="0"/>
-              </a:rPr>
-              <a:t>\n</a:t>
-            </a:r>
-            <a:r>
-              <a:rPr lang="en-US" b="0" dirty="0">
-                <a:solidFill>
-                  <a:srgbClr val="CE9178"/>
-                </a:solidFill>
-                <a:effectLst/>
-                <a:latin typeface="Consolas" panose="020B0609020204030204" pitchFamily="49" charset="0"/>
-              </a:rPr>
-              <a:t>- ✅ **Simplicity**: The language design avoids unnecessary complexity; there's only one way to do things.</a:t>
-            </a:r>
-            <a:r>
-              <a:rPr lang="en-US" b="0" dirty="0">
-                <a:solidFill>
-                  <a:srgbClr val="D7BA7D"/>
-                </a:solidFill>
-                <a:effectLst/>
-                <a:latin typeface="Consolas" panose="020B0609020204030204" pitchFamily="49" charset="0"/>
-              </a:rPr>
-              <a:t>\n</a:t>
-            </a:r>
-            <a:r>
-              <a:rPr lang="en-US" b="0" dirty="0">
-                <a:solidFill>
-                  <a:srgbClr val="CE9178"/>
-                </a:solidFill>
-                <a:effectLst/>
-                <a:latin typeface="Consolas" panose="020B0609020204030204" pitchFamily="49" charset="0"/>
-              </a:rPr>
-              <a:t>- ✅ **Cross-platform Support**: Go supports easy cross-compilation, ideal for containerized apps and microservices.</a:t>
-            </a:r>
-            <a:r>
-              <a:rPr lang="en-US" b="0" dirty="0">
-                <a:solidFill>
-                  <a:srgbClr val="D7BA7D"/>
-                </a:solidFill>
-                <a:effectLst/>
-                <a:latin typeface="Consolas" panose="020B0609020204030204" pitchFamily="49" charset="0"/>
-              </a:rPr>
-              <a:t>\n</a:t>
-            </a:r>
-            <a:r>
-              <a:rPr lang="en-US" b="0" dirty="0">
-                <a:solidFill>
-                  <a:srgbClr val="CE9178"/>
-                </a:solidFill>
-                <a:effectLst/>
-                <a:latin typeface="Consolas" panose="020B0609020204030204" pitchFamily="49" charset="0"/>
-              </a:rPr>
-              <a:t>- ✅ **Robust Standard Library**: Comes with packages for web servers, I/O, testing, and more, reducing the need for third-party tools."</a:t>
-            </a:r>
-            <a:r>
-              <a:rPr lang="en-US" b="0" dirty="0">
-                <a:solidFill>
-                  <a:srgbClr val="CCCCCC"/>
-                </a:solidFill>
-                <a:effectLst/>
-                <a:latin typeface="Consolas" panose="020B0609020204030204" pitchFamily="49" charset="0"/>
-              </a:rPr>
-              <a:t>,</a:t>
+              <a:rPr lang="en-US" dirty="0"/>
+              <a:t>Clean and minimal syntax</a:t>
             </a:r>
           </a:p>
           <a:p>
             <a:pPr>
-              <a:lnSpc>
-                <a:spcPts val="1425"/>
-              </a:lnSpc>
-              <a:buNone/>
+              <a:buFont typeface="Arial" panose="020B0604020202020204" pitchFamily="34" charset="0"/>
+              <a:buChar char="•"/>
             </a:pPr>
             <a:r>
-              <a:rPr lang="en-US" b="0" dirty="0">
-                <a:solidFill>
-                  <a:srgbClr val="CCCCCC"/>
-                </a:solidFill>
-                <a:effectLst/>
-                <a:latin typeface="Consolas" panose="020B0609020204030204" pitchFamily="49" charset="0"/>
-              </a:rPr>
-              <a:t>        </a:t>
-            </a:r>
-            <a:r>
-              <a:rPr lang="en-US" b="0" dirty="0">
-                <a:solidFill>
-                  <a:srgbClr val="9CDCFE"/>
-                </a:solidFill>
-                <a:effectLst/>
-                <a:latin typeface="Consolas" panose="020B0609020204030204" pitchFamily="49" charset="0"/>
-              </a:rPr>
-              <a:t>"</a:t>
-            </a:r>
-            <a:r>
-              <a:rPr lang="en-US" b="0" dirty="0" err="1">
-                <a:solidFill>
-                  <a:srgbClr val="9CDCFE"/>
-                </a:solidFill>
-                <a:effectLst/>
-                <a:latin typeface="Consolas" panose="020B0609020204030204" pitchFamily="49" charset="0"/>
-              </a:rPr>
-              <a:t>slide_type</a:t>
-            </a:r>
-            <a:r>
-              <a:rPr lang="en-US" b="0" dirty="0">
-                <a:solidFill>
-                  <a:srgbClr val="9CDCFE"/>
-                </a:solidFill>
-                <a:effectLst/>
-                <a:latin typeface="Consolas" panose="020B0609020204030204" pitchFamily="49" charset="0"/>
-              </a:rPr>
-              <a:t>"</a:t>
-            </a:r>
-            <a:r>
-              <a:rPr lang="en-US" b="0" dirty="0">
-                <a:solidFill>
-                  <a:srgbClr val="CCCCCC"/>
-                </a:solidFill>
-                <a:effectLst/>
-                <a:latin typeface="Consolas" panose="020B0609020204030204" pitchFamily="49" charset="0"/>
-              </a:rPr>
-              <a:t>: </a:t>
-            </a:r>
-            <a:r>
-              <a:rPr lang="en-US" b="0" dirty="0">
-                <a:solidFill>
-                  <a:srgbClr val="CE9178"/>
-                </a:solidFill>
-                <a:effectLst/>
-                <a:latin typeface="Consolas" panose="020B0609020204030204" pitchFamily="49" charset="0"/>
-              </a:rPr>
-              <a:t>"text"</a:t>
-            </a:r>
-            <a:endParaRPr lang="en-US" b="0" dirty="0">
-              <a:solidFill>
-                <a:srgbClr val="CCCCCC"/>
-              </a:solidFill>
-              <a:effectLst/>
-              <a:latin typeface="Consolas" panose="020B0609020204030204" pitchFamily="49" charset="0"/>
-            </a:endParaRPr>
+              <a:rPr lang="en-US" dirty="0"/>
+              <a:t>Blazing fast build times</a:t>
+            </a:r>
           </a:p>
           <a:p>
             <a:pPr>
-              <a:lnSpc>
-                <a:spcPts val="1425"/>
-              </a:lnSpc>
-              <a:buNone/>
+              <a:buFont typeface="Arial" panose="020B0604020202020204" pitchFamily="34" charset="0"/>
+              <a:buChar char="•"/>
             </a:pPr>
             <a:r>
-              <a:rPr lang="en-US" b="0" dirty="0">
-                <a:solidFill>
-                  <a:srgbClr val="CCCCCC"/>
-                </a:solidFill>
-                <a:effectLst/>
-                <a:latin typeface="Consolas" panose="020B0609020204030204" pitchFamily="49" charset="0"/>
-              </a:rPr>
-              <a:t>    },</a:t>
+              <a:rPr lang="en-US" dirty="0"/>
+              <a:t>Real concurrency support using goroutines</a:t>
             </a:r>
           </a:p>
           <a:p>
             <a:pPr>
-              <a:lnSpc>
-                <a:spcPts val="1425"/>
-              </a:lnSpc>
-              <a:buNone/>
+              <a:buFont typeface="Arial" panose="020B0604020202020204" pitchFamily="34" charset="0"/>
+              <a:buChar char="•"/>
             </a:pPr>
             <a:r>
-              <a:rPr lang="en-US" b="0" dirty="0">
-                <a:solidFill>
-                  <a:srgbClr val="CCCCCC"/>
-                </a:solidFill>
-                <a:effectLst/>
-                <a:latin typeface="Consolas" panose="020B0609020204030204" pitchFamily="49" charset="0"/>
-              </a:rPr>
-              <a:t>    {</a:t>
+              <a:rPr lang="en-US" dirty="0"/>
+              <a:t>And writing code that’s actually maintainable long-term</a:t>
             </a:r>
           </a:p>
           <a:p>
             <a:pPr>
-              <a:lnSpc>
-                <a:spcPts val="1425"/>
-              </a:lnSpc>
               <a:buNone/>
             </a:pPr>
             <a:r>
-              <a:rPr lang="en-US" b="0" dirty="0">
-                <a:solidFill>
-                  <a:srgbClr val="CCCCCC"/>
-                </a:solidFill>
-                <a:effectLst/>
-                <a:latin typeface="Consolas" panose="020B0609020204030204" pitchFamily="49" charset="0"/>
-              </a:rPr>
-              <a:t>        </a:t>
-            </a:r>
-            <a:r>
-              <a:rPr lang="en-US" b="0" dirty="0">
-                <a:solidFill>
-                  <a:srgbClr val="9CDCFE"/>
-                </a:solidFill>
-                <a:effectLst/>
-                <a:latin typeface="Consolas" panose="020B0609020204030204" pitchFamily="49" charset="0"/>
-              </a:rPr>
-              <a:t>"title"</a:t>
-            </a:r>
-            <a:r>
-              <a:rPr lang="en-US" b="0" dirty="0">
-                <a:solidFill>
-                  <a:srgbClr val="CCCCCC"/>
-                </a:solidFill>
-                <a:effectLst/>
-                <a:latin typeface="Consolas" panose="020B0609020204030204" pitchFamily="49" charset="0"/>
-              </a:rPr>
-              <a:t>: </a:t>
-            </a:r>
-            <a:r>
-              <a:rPr lang="en-US" b="0" dirty="0">
-                <a:solidFill>
-                  <a:srgbClr val="CE9178"/>
-                </a:solidFill>
-                <a:effectLst/>
-                <a:latin typeface="Consolas" panose="020B0609020204030204" pitchFamily="49" charset="0"/>
-              </a:rPr>
-              <a:t>"Hello World in Go"</a:t>
-            </a:r>
-            <a:r>
-              <a:rPr lang="en-US" b="0" dirty="0">
-                <a:solidFill>
-                  <a:srgbClr val="CCCCCC"/>
-                </a:solidFill>
-                <a:effectLst/>
-                <a:latin typeface="Consolas" panose="020B0609020204030204" pitchFamily="49" charset="0"/>
-              </a:rPr>
-              <a:t>,</a:t>
+              <a:rPr lang="en-US" dirty="0"/>
+              <a:t>Basically, Go was born from </a:t>
+            </a:r>
+            <a:r>
+              <a:rPr lang="en-US" b="1" dirty="0"/>
+              <a:t>real-world engineering pain points</a:t>
+            </a:r>
+            <a:r>
+              <a:rPr lang="en-US" dirty="0"/>
+              <a:t>, not just theory.</a:t>
             </a:r>
           </a:p>
           <a:p>
             <a:pPr>
-              <a:lnSpc>
-                <a:spcPts val="1425"/>
-              </a:lnSpc>
               <a:buNone/>
             </a:pPr>
             <a:r>
-              <a:rPr lang="en-US" b="0" dirty="0">
-                <a:solidFill>
-                  <a:srgbClr val="CCCCCC"/>
-                </a:solidFill>
-                <a:effectLst/>
-                <a:latin typeface="Consolas" panose="020B0609020204030204" pitchFamily="49" charset="0"/>
-              </a:rPr>
-              <a:t>        </a:t>
-            </a:r>
-            <a:r>
-              <a:rPr lang="en-US" b="0" dirty="0">
-                <a:solidFill>
-                  <a:srgbClr val="9CDCFE"/>
-                </a:solidFill>
-                <a:effectLst/>
-                <a:latin typeface="Consolas" panose="020B0609020204030204" pitchFamily="49" charset="0"/>
-              </a:rPr>
-              <a:t>"content"</a:t>
-            </a:r>
-            <a:r>
-              <a:rPr lang="en-US" b="0" dirty="0">
-                <a:solidFill>
-                  <a:srgbClr val="CCCCCC"/>
-                </a:solidFill>
-                <a:effectLst/>
-                <a:latin typeface="Consolas" panose="020B0609020204030204" pitchFamily="49" charset="0"/>
-              </a:rPr>
-              <a:t>: </a:t>
-            </a:r>
-            <a:r>
-              <a:rPr lang="en-US" b="0" dirty="0">
-                <a:solidFill>
-                  <a:srgbClr val="CE9178"/>
-                </a:solidFill>
-                <a:effectLst/>
-                <a:latin typeface="Consolas" panose="020B0609020204030204" pitchFamily="49" charset="0"/>
-              </a:rPr>
-              <a:t>"package main</a:t>
-            </a:r>
-            <a:r>
-              <a:rPr lang="en-US" b="0" dirty="0">
-                <a:solidFill>
-                  <a:srgbClr val="D7BA7D"/>
-                </a:solidFill>
-                <a:effectLst/>
-                <a:latin typeface="Consolas" panose="020B0609020204030204" pitchFamily="49" charset="0"/>
-              </a:rPr>
-              <a:t>\n\</a:t>
-            </a:r>
-            <a:r>
-              <a:rPr lang="en-US" b="0" dirty="0" err="1">
-                <a:solidFill>
-                  <a:srgbClr val="D7BA7D"/>
-                </a:solidFill>
-                <a:effectLst/>
-                <a:latin typeface="Consolas" panose="020B0609020204030204" pitchFamily="49" charset="0"/>
-              </a:rPr>
-              <a:t>n</a:t>
-            </a:r>
-            <a:r>
-              <a:rPr lang="en-US" b="0" dirty="0" err="1">
-                <a:solidFill>
-                  <a:srgbClr val="CE9178"/>
-                </a:solidFill>
-                <a:effectLst/>
-                <a:latin typeface="Consolas" panose="020B0609020204030204" pitchFamily="49" charset="0"/>
-              </a:rPr>
-              <a:t>import</a:t>
-            </a:r>
-            <a:r>
-              <a:rPr lang="en-US" b="0" dirty="0">
-                <a:solidFill>
-                  <a:srgbClr val="CE9178"/>
-                </a:solidFill>
-                <a:effectLst/>
-                <a:latin typeface="Consolas" panose="020B0609020204030204" pitchFamily="49" charset="0"/>
-              </a:rPr>
+              <a:rPr lang="en-US" dirty="0"/>
+              <a:t>🟧 </a:t>
+            </a:r>
+            <a:r>
+              <a:rPr lang="en-US" b="1" dirty="0"/>
+              <a:t>[Slide 4: Key Features of Go]</a:t>
+            </a:r>
+            <a:endParaRPr lang="en-US" dirty="0"/>
+          </a:p>
+          <a:p>
+            <a:pPr>
+              <a:buNone/>
+            </a:pPr>
+            <a:r>
+              <a:rPr lang="en-US" dirty="0"/>
+              <a:t>Let’s talk about what makes Go </a:t>
+            </a:r>
+            <a:r>
+              <a:rPr lang="en-US" i="1" dirty="0"/>
+              <a:t>special</a:t>
+            </a:r>
+            <a:r>
+              <a:rPr lang="en-US" dirty="0"/>
+              <a:t>.</a:t>
+            </a:r>
+          </a:p>
+          <a:p>
+            <a:pPr>
+              <a:buNone/>
+            </a:pPr>
+            <a:r>
+              <a:rPr lang="en-US" dirty="0"/>
+              <a:t>✅ </a:t>
+            </a:r>
+            <a:r>
+              <a:rPr lang="en-US" b="1" dirty="0"/>
+              <a:t>Fast Compilation</a:t>
+            </a:r>
+            <a:r>
+              <a:rPr lang="en-US" dirty="0"/>
+              <a:t> – Like, really fast. You can build large projects in seconds.</a:t>
+            </a:r>
+          </a:p>
+          <a:p>
+            <a:pPr>
+              <a:buNone/>
+            </a:pPr>
+            <a:r>
+              <a:rPr lang="en-US" dirty="0"/>
+              <a:t>✅ </a:t>
+            </a:r>
+            <a:r>
+              <a:rPr lang="en-US" b="1" dirty="0"/>
+              <a:t>Built-in Concurrency</a:t>
+            </a:r>
+            <a:r>
+              <a:rPr lang="en-US" dirty="0"/>
+              <a:t> – You get </a:t>
+            </a:r>
+            <a:r>
+              <a:rPr lang="en-US" b="1" dirty="0"/>
+              <a:t>goroutines</a:t>
+            </a:r>
+            <a:r>
+              <a:rPr lang="en-US" dirty="0"/>
+              <a:t> (lightweight threads) and </a:t>
+            </a:r>
+            <a:r>
+              <a:rPr lang="en-US" b="1" dirty="0"/>
+              <a:t>channels</a:t>
+            </a:r>
+            <a:r>
+              <a:rPr lang="en-US" dirty="0"/>
+              <a:t> (for safe communication between them). Concurrency is baked right into the language.</a:t>
+            </a:r>
+          </a:p>
+          <a:p>
+            <a:pPr>
+              <a:buNone/>
+            </a:pPr>
+            <a:r>
+              <a:rPr lang="en-US" dirty="0"/>
+              <a:t>✅ </a:t>
+            </a:r>
+            <a:r>
+              <a:rPr lang="en-US" b="1" dirty="0"/>
+              <a:t>Garbage Collection</a:t>
+            </a:r>
+            <a:r>
+              <a:rPr lang="en-US" dirty="0"/>
+              <a:t> – No more worrying about freeing up memory manually. Go handles that for you.</a:t>
+            </a:r>
+          </a:p>
+          <a:p>
+            <a:pPr>
+              <a:buNone/>
+            </a:pPr>
+            <a:r>
+              <a:rPr lang="en-US" dirty="0"/>
+              <a:t>✅ </a:t>
+            </a:r>
+            <a:r>
+              <a:rPr lang="en-US" b="1" dirty="0"/>
+              <a:t>Simplicity</a:t>
+            </a:r>
+            <a:r>
+              <a:rPr lang="en-US" dirty="0"/>
+              <a:t> – There's just </a:t>
+            </a:r>
+            <a:r>
+              <a:rPr lang="en-US" i="1" dirty="0"/>
+              <a:t>one</a:t>
+            </a:r>
+            <a:r>
+              <a:rPr lang="en-US" dirty="0"/>
+              <a:t> way to do things. It avoids the “too many choices” problem.</a:t>
+            </a:r>
+          </a:p>
+          <a:p>
+            <a:pPr>
+              <a:buNone/>
+            </a:pPr>
+            <a:r>
+              <a:rPr lang="en-US" dirty="0"/>
+              <a:t>✅ </a:t>
+            </a:r>
+            <a:r>
+              <a:rPr lang="en-US" b="1" dirty="0"/>
+              <a:t>Cross-platform</a:t>
+            </a:r>
+            <a:r>
+              <a:rPr lang="en-US" dirty="0"/>
+              <a:t> – You can compile your Go app to run on any OS — Windows, Linux, Mac — without much hassle.</a:t>
+            </a:r>
+          </a:p>
+          <a:p>
+            <a:pPr>
+              <a:buNone/>
+            </a:pPr>
+            <a:r>
+              <a:rPr lang="en-US" dirty="0"/>
+              <a:t>✅ </a:t>
+            </a:r>
+            <a:r>
+              <a:rPr lang="en-US" b="1" dirty="0"/>
+              <a:t>Powerful Standard Library</a:t>
+            </a:r>
+            <a:r>
+              <a:rPr lang="en-US" dirty="0"/>
+              <a:t> – Want to build a web server? It’s already in the standard library. Need file I/O? Networking? Testing? All there — no third-party chaos.</a:t>
+            </a:r>
+          </a:p>
+          <a:p>
+            <a:pPr>
+              <a:buNone/>
+            </a:pPr>
+            <a:r>
+              <a:rPr lang="en-US" dirty="0"/>
+              <a:t>Go is really designed to let you </a:t>
+            </a:r>
+            <a:r>
+              <a:rPr lang="en-US" b="1" dirty="0"/>
+              <a:t>focus on building</a:t>
+            </a:r>
+            <a:r>
+              <a:rPr lang="en-US" dirty="0"/>
+              <a:t>, not fiddling.</a:t>
+            </a:r>
+          </a:p>
+          <a:p>
+            <a:pPr>
+              <a:buNone/>
+            </a:pPr>
+            <a:r>
+              <a:rPr lang="en-US" dirty="0"/>
+              <a:t>🟩 </a:t>
+            </a:r>
+            <a:r>
+              <a:rPr lang="en-US" b="1" dirty="0"/>
+              <a:t>[Slide 5: Hello World in Go]</a:t>
+            </a:r>
+            <a:endParaRPr lang="en-US" dirty="0"/>
+          </a:p>
+          <a:p>
+            <a:pPr>
+              <a:buNone/>
+            </a:pPr>
+            <a:r>
+              <a:rPr lang="en-US" dirty="0"/>
+              <a:t>Let’s look at the classic “Hello World” example in Go:</a:t>
+            </a:r>
+          </a:p>
+          <a:p>
+            <a:pPr>
+              <a:buNone/>
+            </a:pPr>
+            <a:r>
+              <a:rPr lang="en-US" dirty="0"/>
+              <a:t>go</a:t>
+            </a:r>
+          </a:p>
+          <a:p>
+            <a:pPr>
+              <a:buNone/>
+            </a:pPr>
+            <a:r>
+              <a:rPr lang="en-US" dirty="0" err="1"/>
+              <a:t>CopyEdit</a:t>
+            </a:r>
+            <a:endParaRPr lang="en-US" dirty="0"/>
+          </a:p>
+          <a:p>
+            <a:pPr rtl="0">
+              <a:buNone/>
+            </a:pPr>
+            <a:r>
+              <a:rPr lang="en-US" dirty="0"/>
+              <a:t>package main import "</a:t>
+            </a:r>
+            <a:r>
+              <a:rPr lang="en-US" dirty="0" err="1"/>
+              <a:t>fmt</a:t>
+            </a:r>
+            <a:r>
+              <a:rPr lang="en-US" dirty="0"/>
+              <a:t>" </a:t>
+            </a:r>
+            <a:r>
+              <a:rPr lang="en-US" dirty="0" err="1"/>
+              <a:t>func</a:t>
+            </a:r>
+            <a:r>
+              <a:rPr lang="en-US" dirty="0"/>
+              <a:t> main() { </a:t>
+            </a:r>
+            <a:r>
+              <a:rPr lang="en-US" dirty="0" err="1"/>
+              <a:t>fmt.Println</a:t>
+            </a:r>
+            <a:r>
+              <a:rPr lang="en-US" dirty="0"/>
+              <a:t>("Hello, World!") } </a:t>
+            </a:r>
+          </a:p>
+          <a:p>
+            <a:pPr>
+              <a:buNone/>
+            </a:pPr>
+            <a:r>
+              <a:rPr lang="en-US" dirty="0"/>
+              <a:t>Let me break that down:</a:t>
+            </a:r>
+          </a:p>
+          <a:p>
+            <a:pPr>
+              <a:buFont typeface="Arial" panose="020B0604020202020204" pitchFamily="34" charset="0"/>
+              <a:buChar char="•"/>
+            </a:pPr>
+            <a:r>
+              <a:rPr lang="en-US" dirty="0"/>
+              <a:t>package main: Every standalone Go app starts in the main package.</a:t>
+            </a:r>
+          </a:p>
+          <a:p>
+            <a:pPr>
+              <a:buFont typeface="Arial" panose="020B0604020202020204" pitchFamily="34" charset="0"/>
+              <a:buChar char="•"/>
+            </a:pPr>
+            <a:r>
+              <a:rPr lang="en-US" dirty="0"/>
+              <a:t>import "</a:t>
+            </a:r>
+            <a:r>
+              <a:rPr lang="en-US" dirty="0" err="1"/>
+              <a:t>fmt</a:t>
+            </a:r>
+            <a:r>
+              <a:rPr lang="en-US" dirty="0"/>
+              <a:t>": This pulls in the format package — used for printing.</a:t>
+            </a:r>
+          </a:p>
+          <a:p>
+            <a:pPr>
+              <a:buFont typeface="Arial" panose="020B0604020202020204" pitchFamily="34" charset="0"/>
+              <a:buChar char="•"/>
+            </a:pPr>
+            <a:r>
+              <a:rPr lang="en-US" dirty="0" err="1"/>
+              <a:t>func</a:t>
+            </a:r>
+            <a:r>
+              <a:rPr lang="en-US" dirty="0"/>
+              <a:t> main(): This is the entry point — like main() in C or Java.</a:t>
+            </a:r>
+          </a:p>
+          <a:p>
+            <a:pPr>
+              <a:buFont typeface="Arial" panose="020B0604020202020204" pitchFamily="34" charset="0"/>
+              <a:buChar char="•"/>
+            </a:pPr>
+            <a:r>
+              <a:rPr lang="en-US" dirty="0" err="1"/>
+              <a:t>fmt.Println</a:t>
+            </a:r>
+            <a:r>
+              <a:rPr lang="en-US" dirty="0"/>
+              <a:t>(...): This prints the line to your terminal.</a:t>
+            </a:r>
+          </a:p>
+          <a:p>
+            <a:pPr>
+              <a:buNone/>
+            </a:pPr>
+            <a:r>
+              <a:rPr lang="en-US" dirty="0"/>
+              <a:t>Simple, right?</a:t>
+            </a:r>
+          </a:p>
+          <a:p>
+            <a:pPr>
+              <a:buNone/>
+            </a:pPr>
+            <a:r>
+              <a:rPr lang="en-US" dirty="0"/>
+              <a:t>🟦 </a:t>
+            </a:r>
+            <a:r>
+              <a:rPr lang="en-US" b="1" dirty="0"/>
+              <a:t>[Slide 6: Go at a Glance]</a:t>
+            </a:r>
+            <a:endParaRPr lang="en-US" dirty="0"/>
+          </a:p>
+          <a:p>
+            <a:pPr>
+              <a:buNone/>
+            </a:pPr>
+            <a:r>
+              <a:rPr lang="en-US" dirty="0"/>
+              <a:t>Let’s quickly recap some fast facts about Go:</a:t>
+            </a:r>
+          </a:p>
+          <a:p>
+            <a:pPr>
+              <a:buNone/>
+            </a:pPr>
+            <a:r>
+              <a:rPr lang="en-US" b="1" dirty="0" err="1"/>
+              <a:t>AspectDetails</a:t>
+            </a:r>
+            <a:r>
+              <a:rPr lang="en-US" dirty="0" err="1"/>
+              <a:t>TypeCompiled</a:t>
+            </a:r>
+            <a:r>
+              <a:rPr lang="en-US" dirty="0"/>
+              <a:t>, Statically TypedYear2009 (Open Sourced)</a:t>
+            </a:r>
+            <a:r>
+              <a:rPr lang="en-US" dirty="0" err="1"/>
+              <a:t>CreatorsGriesemer</a:t>
+            </a:r>
+            <a:r>
+              <a:rPr lang="en-US" dirty="0"/>
+              <a:t>, Pike, </a:t>
+            </a:r>
+            <a:r>
+              <a:rPr lang="en-US" dirty="0" err="1"/>
+              <a:t>ThompsonConcurrencyGoroutines</a:t>
+            </a:r>
+            <a:r>
+              <a:rPr lang="en-US" dirty="0"/>
+              <a:t> &amp; </a:t>
+            </a:r>
+            <a:r>
+              <a:rPr lang="en-US" dirty="0" err="1"/>
+              <a:t>ChannelsUse</a:t>
+            </a:r>
+            <a:r>
+              <a:rPr lang="en-US" dirty="0"/>
               <a:t> </a:t>
             </a:r>
             <a:r>
-              <a:rPr lang="en-US" b="0" dirty="0">
-                <a:solidFill>
-                  <a:srgbClr val="D7BA7D"/>
-                </a:solidFill>
-                <a:effectLst/>
-                <a:latin typeface="Consolas" panose="020B0609020204030204" pitchFamily="49" charset="0"/>
-              </a:rPr>
-              <a:t>\"</a:t>
-            </a:r>
-            <a:r>
-              <a:rPr lang="en-US" b="0" dirty="0" err="1">
-                <a:solidFill>
-                  <a:srgbClr val="CE9178"/>
-                </a:solidFill>
-                <a:effectLst/>
-                <a:latin typeface="Consolas" panose="020B0609020204030204" pitchFamily="49" charset="0"/>
-              </a:rPr>
-              <a:t>fmt</a:t>
-            </a:r>
-            <a:r>
-              <a:rPr lang="en-US" b="0" dirty="0">
-                <a:solidFill>
-                  <a:srgbClr val="D7BA7D"/>
-                </a:solidFill>
-                <a:effectLst/>
-                <a:latin typeface="Consolas" panose="020B0609020204030204" pitchFamily="49" charset="0"/>
-              </a:rPr>
-              <a:t>\"\n\</a:t>
-            </a:r>
-            <a:r>
-              <a:rPr lang="en-US" b="0" dirty="0" err="1">
-                <a:solidFill>
-                  <a:srgbClr val="D7BA7D"/>
-                </a:solidFill>
-                <a:effectLst/>
-                <a:latin typeface="Consolas" panose="020B0609020204030204" pitchFamily="49" charset="0"/>
-              </a:rPr>
-              <a:t>n</a:t>
-            </a:r>
-            <a:r>
-              <a:rPr lang="en-US" b="0" dirty="0" err="1">
-                <a:solidFill>
-                  <a:srgbClr val="CE9178"/>
-                </a:solidFill>
-                <a:effectLst/>
-                <a:latin typeface="Consolas" panose="020B0609020204030204" pitchFamily="49" charset="0"/>
-              </a:rPr>
-              <a:t>func</a:t>
-            </a:r>
-            <a:r>
-              <a:rPr lang="en-US" b="0" dirty="0">
-                <a:solidFill>
-                  <a:srgbClr val="CE9178"/>
-                </a:solidFill>
-                <a:effectLst/>
-                <a:latin typeface="Consolas" panose="020B0609020204030204" pitchFamily="49" charset="0"/>
-              </a:rPr>
-              <a:t> main() {</a:t>
-            </a:r>
-            <a:r>
-              <a:rPr lang="en-US" b="0" dirty="0">
-                <a:solidFill>
-                  <a:srgbClr val="D7BA7D"/>
-                </a:solidFill>
-                <a:effectLst/>
-                <a:latin typeface="Consolas" panose="020B0609020204030204" pitchFamily="49" charset="0"/>
-              </a:rPr>
-              <a:t>\n</a:t>
-            </a:r>
-            <a:r>
-              <a:rPr lang="en-US" b="0" dirty="0">
-                <a:solidFill>
-                  <a:srgbClr val="CE9178"/>
-                </a:solidFill>
-                <a:effectLst/>
-                <a:latin typeface="Consolas" panose="020B0609020204030204" pitchFamily="49" charset="0"/>
-              </a:rPr>
-              <a:t>    </a:t>
-            </a:r>
-            <a:r>
-              <a:rPr lang="en-US" b="0" dirty="0" err="1">
-                <a:solidFill>
-                  <a:srgbClr val="CE9178"/>
-                </a:solidFill>
-                <a:effectLst/>
-                <a:latin typeface="Consolas" panose="020B0609020204030204" pitchFamily="49" charset="0"/>
-              </a:rPr>
-              <a:t>fmt.Println</a:t>
-            </a:r>
-            <a:r>
-              <a:rPr lang="en-US" b="0" dirty="0">
-                <a:solidFill>
-                  <a:srgbClr val="CE9178"/>
-                </a:solidFill>
-                <a:effectLst/>
-                <a:latin typeface="Consolas" panose="020B0609020204030204" pitchFamily="49" charset="0"/>
-              </a:rPr>
-              <a:t>(</a:t>
-            </a:r>
-            <a:r>
-              <a:rPr lang="en-US" b="0" dirty="0">
-                <a:solidFill>
-                  <a:srgbClr val="D7BA7D"/>
-                </a:solidFill>
-                <a:effectLst/>
-                <a:latin typeface="Consolas" panose="020B0609020204030204" pitchFamily="49" charset="0"/>
-              </a:rPr>
-              <a:t>\"</a:t>
-            </a:r>
-            <a:r>
-              <a:rPr lang="en-US" b="0" dirty="0">
-                <a:solidFill>
-                  <a:srgbClr val="CE9178"/>
-                </a:solidFill>
-                <a:effectLst/>
-                <a:latin typeface="Consolas" panose="020B0609020204030204" pitchFamily="49" charset="0"/>
-              </a:rPr>
-              <a:t>Hello, World!</a:t>
-            </a:r>
-            <a:r>
-              <a:rPr lang="en-US" b="0" dirty="0">
-                <a:solidFill>
-                  <a:srgbClr val="D7BA7D"/>
-                </a:solidFill>
-                <a:effectLst/>
-                <a:latin typeface="Consolas" panose="020B0609020204030204" pitchFamily="49" charset="0"/>
-              </a:rPr>
-              <a:t>\"</a:t>
-            </a:r>
-            <a:r>
-              <a:rPr lang="en-US" b="0" dirty="0">
-                <a:solidFill>
-                  <a:srgbClr val="CE9178"/>
-                </a:solidFill>
-                <a:effectLst/>
-                <a:latin typeface="Consolas" panose="020B0609020204030204" pitchFamily="49" charset="0"/>
-              </a:rPr>
-              <a:t>)</a:t>
-            </a:r>
-            <a:r>
-              <a:rPr lang="en-US" b="0" dirty="0">
-                <a:solidFill>
-                  <a:srgbClr val="D7BA7D"/>
-                </a:solidFill>
-                <a:effectLst/>
-                <a:latin typeface="Consolas" panose="020B0609020204030204" pitchFamily="49" charset="0"/>
-              </a:rPr>
-              <a:t>\n</a:t>
-            </a:r>
-            <a:r>
-              <a:rPr lang="en-US" b="0" dirty="0">
-                <a:solidFill>
-                  <a:srgbClr val="CE9178"/>
-                </a:solidFill>
-                <a:effectLst/>
-                <a:latin typeface="Consolas" panose="020B0609020204030204" pitchFamily="49" charset="0"/>
-              </a:rPr>
-              <a:t>}"</a:t>
-            </a:r>
-            <a:r>
-              <a:rPr lang="en-US" b="0" dirty="0">
-                <a:solidFill>
-                  <a:srgbClr val="CCCCCC"/>
-                </a:solidFill>
-                <a:effectLst/>
-                <a:latin typeface="Consolas" panose="020B0609020204030204" pitchFamily="49" charset="0"/>
-              </a:rPr>
-              <a:t>,</a:t>
-            </a:r>
-          </a:p>
-          <a:p>
-            <a:pPr>
-              <a:lnSpc>
-                <a:spcPts val="1425"/>
-              </a:lnSpc>
-              <a:buNone/>
-            </a:pPr>
-            <a:r>
-              <a:rPr lang="en-US" b="0" dirty="0">
-                <a:solidFill>
-                  <a:srgbClr val="CCCCCC"/>
-                </a:solidFill>
-                <a:effectLst/>
-                <a:latin typeface="Consolas" panose="020B0609020204030204" pitchFamily="49" charset="0"/>
-              </a:rPr>
-              <a:t>        </a:t>
-            </a:r>
-            <a:r>
-              <a:rPr lang="en-US" b="0" dirty="0">
-                <a:solidFill>
-                  <a:srgbClr val="9CDCFE"/>
-                </a:solidFill>
-                <a:effectLst/>
-                <a:latin typeface="Consolas" panose="020B0609020204030204" pitchFamily="49" charset="0"/>
-              </a:rPr>
-              <a:t>"</a:t>
-            </a:r>
-            <a:r>
-              <a:rPr lang="en-US" b="0" dirty="0" err="1">
-                <a:solidFill>
-                  <a:srgbClr val="9CDCFE"/>
-                </a:solidFill>
-                <a:effectLst/>
-                <a:latin typeface="Consolas" panose="020B0609020204030204" pitchFamily="49" charset="0"/>
-              </a:rPr>
-              <a:t>slide_type</a:t>
-            </a:r>
-            <a:r>
-              <a:rPr lang="en-US" b="0" dirty="0">
-                <a:solidFill>
-                  <a:srgbClr val="9CDCFE"/>
-                </a:solidFill>
-                <a:effectLst/>
-                <a:latin typeface="Consolas" panose="020B0609020204030204" pitchFamily="49" charset="0"/>
-              </a:rPr>
-              <a:t>"</a:t>
-            </a:r>
-            <a:r>
-              <a:rPr lang="en-US" b="0" dirty="0">
-                <a:solidFill>
-                  <a:srgbClr val="CCCCCC"/>
-                </a:solidFill>
-                <a:effectLst/>
-                <a:latin typeface="Consolas" panose="020B0609020204030204" pitchFamily="49" charset="0"/>
-              </a:rPr>
-              <a:t>: </a:t>
-            </a:r>
-            <a:r>
-              <a:rPr lang="en-US" b="0" dirty="0">
-                <a:solidFill>
-                  <a:srgbClr val="CE9178"/>
-                </a:solidFill>
-                <a:effectLst/>
-                <a:latin typeface="Consolas" panose="020B0609020204030204" pitchFamily="49" charset="0"/>
-              </a:rPr>
-              <a:t>"code"</a:t>
-            </a:r>
-            <a:endParaRPr lang="en-US" b="0" dirty="0">
-              <a:solidFill>
-                <a:srgbClr val="CCCCCC"/>
-              </a:solidFill>
-              <a:effectLst/>
-              <a:latin typeface="Consolas" panose="020B0609020204030204" pitchFamily="49" charset="0"/>
-            </a:endParaRPr>
-          </a:p>
-          <a:p>
-            <a:pPr>
-              <a:lnSpc>
-                <a:spcPts val="1425"/>
-              </a:lnSpc>
-              <a:buNone/>
-            </a:pPr>
-            <a:r>
-              <a:rPr lang="en-US" b="0" dirty="0">
-                <a:solidFill>
-                  <a:srgbClr val="CCCCCC"/>
-                </a:solidFill>
-                <a:effectLst/>
-                <a:latin typeface="Consolas" panose="020B0609020204030204" pitchFamily="49" charset="0"/>
-              </a:rPr>
-              <a:t>    },</a:t>
-            </a:r>
-          </a:p>
-          <a:p>
-            <a:pPr>
-              <a:lnSpc>
-                <a:spcPts val="1425"/>
-              </a:lnSpc>
-              <a:buNone/>
-            </a:pPr>
-            <a:r>
-              <a:rPr lang="en-US" b="0" dirty="0">
-                <a:solidFill>
-                  <a:srgbClr val="CCCCCC"/>
-                </a:solidFill>
-                <a:effectLst/>
-                <a:latin typeface="Consolas" panose="020B0609020204030204" pitchFamily="49" charset="0"/>
-              </a:rPr>
-              <a:t>    {</a:t>
-            </a:r>
-          </a:p>
-          <a:p>
-            <a:pPr>
-              <a:lnSpc>
-                <a:spcPts val="1425"/>
-              </a:lnSpc>
-              <a:buNone/>
-            </a:pPr>
-            <a:r>
-              <a:rPr lang="en-US" b="0" dirty="0">
-                <a:solidFill>
-                  <a:srgbClr val="CCCCCC"/>
-                </a:solidFill>
-                <a:effectLst/>
-                <a:latin typeface="Consolas" panose="020B0609020204030204" pitchFamily="49" charset="0"/>
-              </a:rPr>
-              <a:t>        </a:t>
-            </a:r>
-            <a:r>
-              <a:rPr lang="en-US" b="0" dirty="0">
-                <a:solidFill>
-                  <a:srgbClr val="9CDCFE"/>
-                </a:solidFill>
-                <a:effectLst/>
-                <a:latin typeface="Consolas" panose="020B0609020204030204" pitchFamily="49" charset="0"/>
-              </a:rPr>
-              <a:t>"title"</a:t>
-            </a:r>
-            <a:r>
-              <a:rPr lang="en-US" b="0" dirty="0">
-                <a:solidFill>
-                  <a:srgbClr val="CCCCCC"/>
-                </a:solidFill>
-                <a:effectLst/>
-                <a:latin typeface="Consolas" panose="020B0609020204030204" pitchFamily="49" charset="0"/>
-              </a:rPr>
-              <a:t>: </a:t>
-            </a:r>
-            <a:r>
-              <a:rPr lang="en-US" b="0" dirty="0">
-                <a:solidFill>
-                  <a:srgbClr val="CE9178"/>
-                </a:solidFill>
-                <a:effectLst/>
-                <a:latin typeface="Consolas" panose="020B0609020204030204" pitchFamily="49" charset="0"/>
-              </a:rPr>
-              <a:t>"Go at a Glance"</a:t>
-            </a:r>
-            <a:r>
-              <a:rPr lang="en-US" b="0" dirty="0">
-                <a:solidFill>
-                  <a:srgbClr val="CCCCCC"/>
-                </a:solidFill>
-                <a:effectLst/>
-                <a:latin typeface="Consolas" panose="020B0609020204030204" pitchFamily="49" charset="0"/>
-              </a:rPr>
-              <a:t>,</a:t>
-            </a:r>
-          </a:p>
-          <a:p>
-            <a:pPr>
-              <a:lnSpc>
-                <a:spcPts val="1425"/>
-              </a:lnSpc>
-              <a:buNone/>
-            </a:pPr>
-            <a:r>
-              <a:rPr lang="en-US" b="0" dirty="0">
-                <a:solidFill>
-                  <a:srgbClr val="CCCCCC"/>
-                </a:solidFill>
-                <a:effectLst/>
-                <a:latin typeface="Consolas" panose="020B0609020204030204" pitchFamily="49" charset="0"/>
-              </a:rPr>
-              <a:t>        </a:t>
-            </a:r>
-            <a:r>
-              <a:rPr lang="en-US" b="0" dirty="0">
-                <a:solidFill>
-                  <a:srgbClr val="9CDCFE"/>
-                </a:solidFill>
-                <a:effectLst/>
-                <a:latin typeface="Consolas" panose="020B0609020204030204" pitchFamily="49" charset="0"/>
-              </a:rPr>
-              <a:t>"</a:t>
-            </a:r>
-            <a:r>
-              <a:rPr lang="en-US" b="0" dirty="0" err="1">
-                <a:solidFill>
-                  <a:srgbClr val="9CDCFE"/>
-                </a:solidFill>
-                <a:effectLst/>
-                <a:latin typeface="Consolas" panose="020B0609020204030204" pitchFamily="49" charset="0"/>
-              </a:rPr>
-              <a:t>slide_type</a:t>
-            </a:r>
-            <a:r>
-              <a:rPr lang="en-US" b="0" dirty="0">
-                <a:solidFill>
-                  <a:srgbClr val="9CDCFE"/>
-                </a:solidFill>
-                <a:effectLst/>
-                <a:latin typeface="Consolas" panose="020B0609020204030204" pitchFamily="49" charset="0"/>
-              </a:rPr>
-              <a:t>"</a:t>
-            </a:r>
-            <a:r>
-              <a:rPr lang="en-US" b="0" dirty="0">
-                <a:solidFill>
-                  <a:srgbClr val="CCCCCC"/>
-                </a:solidFill>
-                <a:effectLst/>
-                <a:latin typeface="Consolas" panose="020B0609020204030204" pitchFamily="49" charset="0"/>
-              </a:rPr>
-              <a:t>: </a:t>
-            </a:r>
-            <a:r>
-              <a:rPr lang="en-US" b="0" dirty="0">
-                <a:solidFill>
-                  <a:srgbClr val="CE9178"/>
-                </a:solidFill>
-                <a:effectLst/>
-                <a:latin typeface="Consolas" panose="020B0609020204030204" pitchFamily="49" charset="0"/>
-              </a:rPr>
-              <a:t>"table"</a:t>
-            </a:r>
-            <a:r>
-              <a:rPr lang="en-US" b="0" dirty="0">
-                <a:solidFill>
-                  <a:srgbClr val="CCCCCC"/>
-                </a:solidFill>
-                <a:effectLst/>
-                <a:latin typeface="Consolas" panose="020B0609020204030204" pitchFamily="49" charset="0"/>
-              </a:rPr>
-              <a:t>,</a:t>
-            </a:r>
-          </a:p>
-          <a:p>
-            <a:pPr>
-              <a:lnSpc>
-                <a:spcPts val="1425"/>
-              </a:lnSpc>
-              <a:buNone/>
-            </a:pPr>
-            <a:r>
-              <a:rPr lang="en-US" b="0" dirty="0">
-                <a:solidFill>
-                  <a:srgbClr val="CCCCCC"/>
-                </a:solidFill>
-                <a:effectLst/>
-                <a:latin typeface="Consolas" panose="020B0609020204030204" pitchFamily="49" charset="0"/>
-              </a:rPr>
-              <a:t>        </a:t>
-            </a:r>
-            <a:r>
-              <a:rPr lang="en-US" b="0" dirty="0">
-                <a:solidFill>
-                  <a:srgbClr val="9CDCFE"/>
-                </a:solidFill>
-                <a:effectLst/>
-                <a:latin typeface="Consolas" panose="020B0609020204030204" pitchFamily="49" charset="0"/>
-              </a:rPr>
-              <a:t>"content"</a:t>
-            </a:r>
-            <a:r>
-              <a:rPr lang="en-US" b="0" dirty="0">
-                <a:solidFill>
-                  <a:srgbClr val="CCCCCC"/>
-                </a:solidFill>
-                <a:effectLst/>
-                <a:latin typeface="Consolas" panose="020B0609020204030204" pitchFamily="49" charset="0"/>
-              </a:rPr>
-              <a:t>: [</a:t>
-            </a:r>
-          </a:p>
-          <a:p>
-            <a:pPr>
-              <a:lnSpc>
-                <a:spcPts val="1425"/>
-              </a:lnSpc>
-              <a:buNone/>
-            </a:pPr>
-            <a:r>
-              <a:rPr lang="en-US" b="0" dirty="0">
-                <a:solidFill>
-                  <a:srgbClr val="CCCCCC"/>
-                </a:solidFill>
-                <a:effectLst/>
-                <a:latin typeface="Consolas" panose="020B0609020204030204" pitchFamily="49" charset="0"/>
-              </a:rPr>
-              <a:t>            {</a:t>
-            </a:r>
-            <a:r>
-              <a:rPr lang="en-US" b="0" dirty="0">
-                <a:solidFill>
-                  <a:srgbClr val="9CDCFE"/>
-                </a:solidFill>
-                <a:effectLst/>
-                <a:latin typeface="Consolas" panose="020B0609020204030204" pitchFamily="49" charset="0"/>
-              </a:rPr>
-              <a:t>"Aspect"</a:t>
-            </a:r>
-            <a:r>
-              <a:rPr lang="en-US" b="0" dirty="0">
-                <a:solidFill>
-                  <a:srgbClr val="CCCCCC"/>
-                </a:solidFill>
-                <a:effectLst/>
-                <a:latin typeface="Consolas" panose="020B0609020204030204" pitchFamily="49" charset="0"/>
-              </a:rPr>
-              <a:t>: </a:t>
-            </a:r>
-            <a:r>
-              <a:rPr lang="en-US" b="0" dirty="0">
-                <a:solidFill>
-                  <a:srgbClr val="CE9178"/>
-                </a:solidFill>
-                <a:effectLst/>
-                <a:latin typeface="Consolas" panose="020B0609020204030204" pitchFamily="49" charset="0"/>
-              </a:rPr>
-              <a:t>"Type"</a:t>
-            </a:r>
-            <a:r>
-              <a:rPr lang="en-US" b="0" dirty="0">
-                <a:solidFill>
-                  <a:srgbClr val="CCCCCC"/>
-                </a:solidFill>
-                <a:effectLst/>
-                <a:latin typeface="Consolas" panose="020B0609020204030204" pitchFamily="49" charset="0"/>
-              </a:rPr>
-              <a:t>, </a:t>
-            </a:r>
-            <a:r>
-              <a:rPr lang="en-US" b="0" dirty="0">
-                <a:solidFill>
-                  <a:srgbClr val="9CDCFE"/>
-                </a:solidFill>
-                <a:effectLst/>
-                <a:latin typeface="Consolas" panose="020B0609020204030204" pitchFamily="49" charset="0"/>
-              </a:rPr>
-              <a:t>"Details"</a:t>
-            </a:r>
-            <a:r>
-              <a:rPr lang="en-US" b="0" dirty="0">
-                <a:solidFill>
-                  <a:srgbClr val="CCCCCC"/>
-                </a:solidFill>
-                <a:effectLst/>
-                <a:latin typeface="Consolas" panose="020B0609020204030204" pitchFamily="49" charset="0"/>
-              </a:rPr>
-              <a:t>: </a:t>
-            </a:r>
-            <a:r>
-              <a:rPr lang="en-US" b="0" dirty="0">
-                <a:solidFill>
-                  <a:srgbClr val="CE9178"/>
-                </a:solidFill>
-                <a:effectLst/>
-                <a:latin typeface="Consolas" panose="020B0609020204030204" pitchFamily="49" charset="0"/>
-              </a:rPr>
-              <a:t>"Compiled, Statically Typed"</a:t>
-            </a:r>
-            <a:r>
-              <a:rPr lang="en-US" b="0" dirty="0">
-                <a:solidFill>
-                  <a:srgbClr val="CCCCCC"/>
-                </a:solidFill>
-                <a:effectLst/>
-                <a:latin typeface="Consolas" panose="020B0609020204030204" pitchFamily="49" charset="0"/>
-              </a:rPr>
-              <a:t>},</a:t>
-            </a:r>
-          </a:p>
-          <a:p>
-            <a:pPr>
-              <a:lnSpc>
-                <a:spcPts val="1425"/>
-              </a:lnSpc>
-              <a:buNone/>
-            </a:pPr>
-            <a:r>
-              <a:rPr lang="en-US" b="0" dirty="0">
-                <a:solidFill>
-                  <a:srgbClr val="CCCCCC"/>
-                </a:solidFill>
-                <a:effectLst/>
-                <a:latin typeface="Consolas" panose="020B0609020204030204" pitchFamily="49" charset="0"/>
-              </a:rPr>
-              <a:t>            {</a:t>
-            </a:r>
-            <a:r>
-              <a:rPr lang="en-US" b="0" dirty="0">
-                <a:solidFill>
-                  <a:srgbClr val="9CDCFE"/>
-                </a:solidFill>
-                <a:effectLst/>
-                <a:latin typeface="Consolas" panose="020B0609020204030204" pitchFamily="49" charset="0"/>
-              </a:rPr>
-              <a:t>"Aspect"</a:t>
-            </a:r>
-            <a:r>
-              <a:rPr lang="en-US" b="0" dirty="0">
-                <a:solidFill>
-                  <a:srgbClr val="CCCCCC"/>
-                </a:solidFill>
-                <a:effectLst/>
-                <a:latin typeface="Consolas" panose="020B0609020204030204" pitchFamily="49" charset="0"/>
-              </a:rPr>
-              <a:t>: </a:t>
-            </a:r>
-            <a:r>
-              <a:rPr lang="en-US" b="0" dirty="0">
-                <a:solidFill>
-                  <a:srgbClr val="CE9178"/>
-                </a:solidFill>
-                <a:effectLst/>
-                <a:latin typeface="Consolas" panose="020B0609020204030204" pitchFamily="49" charset="0"/>
-              </a:rPr>
-              <a:t>"Year"</a:t>
-            </a:r>
-            <a:r>
-              <a:rPr lang="en-US" b="0" dirty="0">
-                <a:solidFill>
-                  <a:srgbClr val="CCCCCC"/>
-                </a:solidFill>
-                <a:effectLst/>
-                <a:latin typeface="Consolas" panose="020B0609020204030204" pitchFamily="49" charset="0"/>
-              </a:rPr>
-              <a:t>, </a:t>
-            </a:r>
-            <a:r>
-              <a:rPr lang="en-US" b="0" dirty="0">
-                <a:solidFill>
-                  <a:srgbClr val="9CDCFE"/>
-                </a:solidFill>
-                <a:effectLst/>
-                <a:latin typeface="Consolas" panose="020B0609020204030204" pitchFamily="49" charset="0"/>
-              </a:rPr>
-              <a:t>"Details"</a:t>
-            </a:r>
-            <a:r>
-              <a:rPr lang="en-US" b="0" dirty="0">
-                <a:solidFill>
-                  <a:srgbClr val="CCCCCC"/>
-                </a:solidFill>
-                <a:effectLst/>
-                <a:latin typeface="Consolas" panose="020B0609020204030204" pitchFamily="49" charset="0"/>
-              </a:rPr>
-              <a:t>: </a:t>
-            </a:r>
-            <a:r>
-              <a:rPr lang="en-US" b="0" dirty="0">
-                <a:solidFill>
-                  <a:srgbClr val="CE9178"/>
-                </a:solidFill>
-                <a:effectLst/>
-                <a:latin typeface="Consolas" panose="020B0609020204030204" pitchFamily="49" charset="0"/>
-              </a:rPr>
-              <a:t>"2009 (Open Sourced)"</a:t>
-            </a:r>
-            <a:r>
-              <a:rPr lang="en-US" b="0" dirty="0">
-                <a:solidFill>
-                  <a:srgbClr val="CCCCCC"/>
-                </a:solidFill>
-                <a:effectLst/>
-                <a:latin typeface="Consolas" panose="020B0609020204030204" pitchFamily="49" charset="0"/>
-              </a:rPr>
-              <a:t>},</a:t>
-            </a:r>
-          </a:p>
-          <a:p>
-            <a:pPr>
-              <a:lnSpc>
-                <a:spcPts val="1425"/>
-              </a:lnSpc>
-              <a:buNone/>
-            </a:pPr>
-            <a:r>
-              <a:rPr lang="en-US" b="0" dirty="0">
-                <a:solidFill>
-                  <a:srgbClr val="CCCCCC"/>
-                </a:solidFill>
-                <a:effectLst/>
-                <a:latin typeface="Consolas" panose="020B0609020204030204" pitchFamily="49" charset="0"/>
-              </a:rPr>
-              <a:t>            {</a:t>
-            </a:r>
-            <a:r>
-              <a:rPr lang="en-US" b="0" dirty="0">
-                <a:solidFill>
-                  <a:srgbClr val="9CDCFE"/>
-                </a:solidFill>
-                <a:effectLst/>
-                <a:latin typeface="Consolas" panose="020B0609020204030204" pitchFamily="49" charset="0"/>
-              </a:rPr>
-              <a:t>"Aspect"</a:t>
-            </a:r>
-            <a:r>
-              <a:rPr lang="en-US" b="0" dirty="0">
-                <a:solidFill>
-                  <a:srgbClr val="CCCCCC"/>
-                </a:solidFill>
-                <a:effectLst/>
-                <a:latin typeface="Consolas" panose="020B0609020204030204" pitchFamily="49" charset="0"/>
-              </a:rPr>
-              <a:t>: </a:t>
-            </a:r>
-            <a:r>
-              <a:rPr lang="en-US" b="0" dirty="0">
-                <a:solidFill>
-                  <a:srgbClr val="CE9178"/>
-                </a:solidFill>
-                <a:effectLst/>
-                <a:latin typeface="Consolas" panose="020B0609020204030204" pitchFamily="49" charset="0"/>
-              </a:rPr>
-              <a:t>"Creators"</a:t>
-            </a:r>
-            <a:r>
-              <a:rPr lang="en-US" b="0" dirty="0">
-                <a:solidFill>
-                  <a:srgbClr val="CCCCCC"/>
-                </a:solidFill>
-                <a:effectLst/>
-                <a:latin typeface="Consolas" panose="020B0609020204030204" pitchFamily="49" charset="0"/>
-              </a:rPr>
-              <a:t>, </a:t>
-            </a:r>
-            <a:r>
-              <a:rPr lang="en-US" b="0" dirty="0">
-                <a:solidFill>
-                  <a:srgbClr val="9CDCFE"/>
-                </a:solidFill>
-                <a:effectLst/>
-                <a:latin typeface="Consolas" panose="020B0609020204030204" pitchFamily="49" charset="0"/>
-              </a:rPr>
-              <a:t>"Details"</a:t>
-            </a:r>
-            <a:r>
-              <a:rPr lang="en-US" b="0" dirty="0">
-                <a:solidFill>
-                  <a:srgbClr val="CCCCCC"/>
-                </a:solidFill>
-                <a:effectLst/>
-                <a:latin typeface="Consolas" panose="020B0609020204030204" pitchFamily="49" charset="0"/>
-              </a:rPr>
-              <a:t>: </a:t>
-            </a:r>
-            <a:r>
-              <a:rPr lang="en-US" b="0" dirty="0">
-                <a:solidFill>
-                  <a:srgbClr val="CE9178"/>
-                </a:solidFill>
-                <a:effectLst/>
-                <a:latin typeface="Consolas" panose="020B0609020204030204" pitchFamily="49" charset="0"/>
-              </a:rPr>
-              <a:t>"Griesemer, Pike, Thompson"</a:t>
-            </a:r>
-            <a:r>
-              <a:rPr lang="en-US" b="0" dirty="0">
-                <a:solidFill>
-                  <a:srgbClr val="CCCCCC"/>
-                </a:solidFill>
-                <a:effectLst/>
-                <a:latin typeface="Consolas" panose="020B0609020204030204" pitchFamily="49" charset="0"/>
-              </a:rPr>
-              <a:t>},</a:t>
-            </a:r>
-          </a:p>
-          <a:p>
-            <a:pPr>
-              <a:lnSpc>
-                <a:spcPts val="1425"/>
-              </a:lnSpc>
-              <a:buNone/>
-            </a:pPr>
-            <a:r>
-              <a:rPr lang="en-US" b="0" dirty="0">
-                <a:solidFill>
-                  <a:srgbClr val="CCCCCC"/>
-                </a:solidFill>
-                <a:effectLst/>
-                <a:latin typeface="Consolas" panose="020B0609020204030204" pitchFamily="49" charset="0"/>
-              </a:rPr>
-              <a:t>            {</a:t>
-            </a:r>
-            <a:r>
-              <a:rPr lang="en-US" b="0" dirty="0">
-                <a:solidFill>
-                  <a:srgbClr val="9CDCFE"/>
-                </a:solidFill>
-                <a:effectLst/>
-                <a:latin typeface="Consolas" panose="020B0609020204030204" pitchFamily="49" charset="0"/>
-              </a:rPr>
-              <a:t>"Aspect"</a:t>
-            </a:r>
-            <a:r>
-              <a:rPr lang="en-US" b="0" dirty="0">
-                <a:solidFill>
-                  <a:srgbClr val="CCCCCC"/>
-                </a:solidFill>
-                <a:effectLst/>
-                <a:latin typeface="Consolas" panose="020B0609020204030204" pitchFamily="49" charset="0"/>
-              </a:rPr>
-              <a:t>: </a:t>
-            </a:r>
-            <a:r>
-              <a:rPr lang="en-US" b="0" dirty="0">
-                <a:solidFill>
-                  <a:srgbClr val="CE9178"/>
-                </a:solidFill>
-                <a:effectLst/>
-                <a:latin typeface="Consolas" panose="020B0609020204030204" pitchFamily="49" charset="0"/>
-              </a:rPr>
-              <a:t>"Concurrency"</a:t>
-            </a:r>
-            <a:r>
-              <a:rPr lang="en-US" b="0" dirty="0">
-                <a:solidFill>
-                  <a:srgbClr val="CCCCCC"/>
-                </a:solidFill>
-                <a:effectLst/>
-                <a:latin typeface="Consolas" panose="020B0609020204030204" pitchFamily="49" charset="0"/>
-              </a:rPr>
-              <a:t>, </a:t>
-            </a:r>
-            <a:r>
-              <a:rPr lang="en-US" b="0" dirty="0">
-                <a:solidFill>
-                  <a:srgbClr val="9CDCFE"/>
-                </a:solidFill>
-                <a:effectLst/>
-                <a:latin typeface="Consolas" panose="020B0609020204030204" pitchFamily="49" charset="0"/>
-              </a:rPr>
-              <a:t>"Details"</a:t>
-            </a:r>
-            <a:r>
-              <a:rPr lang="en-US" b="0" dirty="0">
-                <a:solidFill>
-                  <a:srgbClr val="CCCCCC"/>
-                </a:solidFill>
-                <a:effectLst/>
-                <a:latin typeface="Consolas" panose="020B0609020204030204" pitchFamily="49" charset="0"/>
-              </a:rPr>
-              <a:t>: </a:t>
-            </a:r>
-            <a:r>
-              <a:rPr lang="en-US" b="0" dirty="0">
-                <a:solidFill>
-                  <a:srgbClr val="CE9178"/>
-                </a:solidFill>
-                <a:effectLst/>
-                <a:latin typeface="Consolas" panose="020B0609020204030204" pitchFamily="49" charset="0"/>
-              </a:rPr>
-              <a:t>"Goroutines &amp; Channels"</a:t>
-            </a:r>
-            <a:r>
-              <a:rPr lang="en-US" b="0" dirty="0">
-                <a:solidFill>
-                  <a:srgbClr val="CCCCCC"/>
-                </a:solidFill>
-                <a:effectLst/>
-                <a:latin typeface="Consolas" panose="020B0609020204030204" pitchFamily="49" charset="0"/>
-              </a:rPr>
-              <a:t>},</a:t>
-            </a:r>
-          </a:p>
-          <a:p>
-            <a:pPr>
-              <a:lnSpc>
-                <a:spcPts val="1425"/>
-              </a:lnSpc>
-              <a:buNone/>
-            </a:pPr>
-            <a:r>
-              <a:rPr lang="en-US" b="0" dirty="0">
-                <a:solidFill>
-                  <a:srgbClr val="CCCCCC"/>
-                </a:solidFill>
-                <a:effectLst/>
-                <a:latin typeface="Consolas" panose="020B0609020204030204" pitchFamily="49" charset="0"/>
-              </a:rPr>
-              <a:t>            {</a:t>
-            </a:r>
-            <a:r>
-              <a:rPr lang="en-US" b="0" dirty="0">
-                <a:solidFill>
-                  <a:srgbClr val="9CDCFE"/>
-                </a:solidFill>
-                <a:effectLst/>
-                <a:latin typeface="Consolas" panose="020B0609020204030204" pitchFamily="49" charset="0"/>
-              </a:rPr>
-              <a:t>"Aspect"</a:t>
-            </a:r>
-            <a:r>
-              <a:rPr lang="en-US" b="0" dirty="0">
-                <a:solidFill>
-                  <a:srgbClr val="CCCCCC"/>
-                </a:solidFill>
-                <a:effectLst/>
-                <a:latin typeface="Consolas" panose="020B0609020204030204" pitchFamily="49" charset="0"/>
-              </a:rPr>
-              <a:t>: </a:t>
-            </a:r>
-            <a:r>
-              <a:rPr lang="en-US" b="0" dirty="0">
-                <a:solidFill>
-                  <a:srgbClr val="CE9178"/>
-                </a:solidFill>
-                <a:effectLst/>
-                <a:latin typeface="Consolas" panose="020B0609020204030204" pitchFamily="49" charset="0"/>
-              </a:rPr>
-              <a:t>"Use Case"</a:t>
-            </a:r>
-            <a:r>
-              <a:rPr lang="en-US" b="0" dirty="0">
-                <a:solidFill>
-                  <a:srgbClr val="CCCCCC"/>
-                </a:solidFill>
-                <a:effectLst/>
-                <a:latin typeface="Consolas" panose="020B0609020204030204" pitchFamily="49" charset="0"/>
-              </a:rPr>
-              <a:t>, </a:t>
-            </a:r>
-            <a:r>
-              <a:rPr lang="en-US" b="0" dirty="0">
-                <a:solidFill>
-                  <a:srgbClr val="9CDCFE"/>
-                </a:solidFill>
-                <a:effectLst/>
-                <a:latin typeface="Consolas" panose="020B0609020204030204" pitchFamily="49" charset="0"/>
-              </a:rPr>
-              <a:t>"Details"</a:t>
-            </a:r>
-            <a:r>
-              <a:rPr lang="en-US" b="0" dirty="0">
-                <a:solidFill>
-                  <a:srgbClr val="CCCCCC"/>
-                </a:solidFill>
-                <a:effectLst/>
-                <a:latin typeface="Consolas" panose="020B0609020204030204" pitchFamily="49" charset="0"/>
-              </a:rPr>
-              <a:t>: </a:t>
-            </a:r>
-            <a:r>
-              <a:rPr lang="en-US" b="0" dirty="0">
-                <a:solidFill>
-                  <a:srgbClr val="CE9178"/>
-                </a:solidFill>
-                <a:effectLst/>
-                <a:latin typeface="Consolas" panose="020B0609020204030204" pitchFamily="49" charset="0"/>
-              </a:rPr>
-              <a:t>"Web Servers, Microservices, CLI tools"</a:t>
-            </a:r>
-            <a:r>
-              <a:rPr lang="en-US" b="0" dirty="0">
-                <a:solidFill>
-                  <a:srgbClr val="CCCCCC"/>
-                </a:solidFill>
-                <a:effectLst/>
-                <a:latin typeface="Consolas" panose="020B0609020204030204" pitchFamily="49" charset="0"/>
-              </a:rPr>
-              <a:t>}</a:t>
-            </a:r>
-          </a:p>
-          <a:p>
-            <a:pPr>
-              <a:lnSpc>
-                <a:spcPts val="1425"/>
-              </a:lnSpc>
-              <a:buNone/>
-            </a:pPr>
-            <a:r>
-              <a:rPr lang="en-US" b="0" dirty="0">
-                <a:solidFill>
-                  <a:srgbClr val="CCCCCC"/>
-                </a:solidFill>
-                <a:effectLst/>
-                <a:latin typeface="Consolas" panose="020B0609020204030204" pitchFamily="49" charset="0"/>
-              </a:rPr>
-              <a:t>        ]</a:t>
-            </a:r>
-          </a:p>
-          <a:p>
-            <a:pPr>
-              <a:lnSpc>
-                <a:spcPts val="1425"/>
-              </a:lnSpc>
-              <a:buNone/>
-            </a:pPr>
-            <a:r>
-              <a:rPr lang="en-US" b="0" dirty="0">
-                <a:solidFill>
-                  <a:srgbClr val="CCCCCC"/>
-                </a:solidFill>
-                <a:effectLst/>
-                <a:latin typeface="Consolas" panose="020B0609020204030204" pitchFamily="49" charset="0"/>
-              </a:rPr>
-              <a:t>    }</a:t>
-            </a:r>
-          </a:p>
-          <a:p>
-            <a:pPr>
-              <a:lnSpc>
-                <a:spcPts val="1425"/>
-              </a:lnSpc>
-              <a:buNone/>
-            </a:pPr>
-            <a:r>
-              <a:rPr lang="en-US" b="0" dirty="0">
-                <a:solidFill>
-                  <a:srgbClr val="CCCCCC"/>
-                </a:solidFill>
-                <a:effectLst/>
-                <a:latin typeface="Consolas" panose="020B0609020204030204" pitchFamily="49" charset="0"/>
-              </a:rPr>
-              <a:t>]</a:t>
-            </a:r>
-          </a:p>
-          <a:p>
-            <a:pPr>
-              <a:lnSpc>
-                <a:spcPts val="1425"/>
-              </a:lnSpc>
-            </a:pPr>
-            <a:br>
-              <a:rPr lang="en-US" b="0" dirty="0">
-                <a:solidFill>
-                  <a:srgbClr val="CCCCCC"/>
-                </a:solidFill>
-                <a:effectLst/>
-                <a:latin typeface="Consolas" panose="020B0609020204030204" pitchFamily="49" charset="0"/>
-              </a:rPr>
-            </a:br>
-            <a:br>
-              <a:rPr lang="en-US" b="0" dirty="0">
-                <a:solidFill>
-                  <a:srgbClr val="CCCCCC"/>
-                </a:solidFill>
-                <a:effectLst/>
-                <a:latin typeface="Consolas" panose="020B0609020204030204" pitchFamily="49" charset="0"/>
-              </a:rPr>
-            </a:br>
-            <a:r>
-              <a:rPr lang="en-US" b="0" dirty="0">
-                <a:solidFill>
-                  <a:srgbClr val="CCCCCC"/>
-                </a:solidFill>
-                <a:effectLst/>
-                <a:latin typeface="Consolas" panose="020B0609020204030204" pitchFamily="49" charset="0"/>
-              </a:rPr>
-              <a:t>. The script should jump straight into the main content without an intro or conclusion. Keep it engaging, conversational, and provide clear explanations with examples where needed. Use a mix of English to keep it natural and easy to follow. Don't include any code in the script—just explanations</a:t>
-            </a:r>
-          </a:p>
-          <a:p>
-            <a:endParaRPr lang="en-US" dirty="0"/>
+              <a:rPr lang="en-US" dirty="0" err="1"/>
+              <a:t>CaseWeb</a:t>
+            </a:r>
+            <a:r>
+              <a:rPr lang="en-US" dirty="0"/>
+              <a:t> Servers, Microservices, CLI Tools</a:t>
+            </a:r>
+          </a:p>
+          <a:p>
+            <a:r>
+              <a:rPr lang="en-US" dirty="0"/>
+              <a:t>So if you're building modern backends, server-side tools, or want to work with cloud-native apps — </a:t>
+            </a:r>
+            <a:r>
+              <a:rPr lang="en-US" b="1" dirty="0"/>
+              <a:t>Go is absolutely worth learning</a:t>
+            </a:r>
+            <a:r>
+              <a:rPr lang="en-US" dirty="0"/>
+              <a:t>.</a:t>
+            </a:r>
           </a:p>
         </p:txBody>
       </p:sp>
@@ -3327,7 +1673,7 @@
           </a:p>
           <a:p>
             <a:r>
-              <a:rPr lang="en-US"/>
+              <a:rPr lang="en-US" dirty="0"/>
               <a:t>}</a:t>
             </a:r>
           </a:p>
@@ -3700,7 +2046,7 @@
           <a:p>
             <a:fld id="{5BCAD085-E8A6-8845-BD4E-CB4CCA059FC4}" type="datetimeFigureOut">
               <a:rPr lang="en-US" smtClean="0"/>
-              <a:t>4/8/2025</a:t>
+              <a:t>4/9/2025</a:t>
             </a:fld>
             <a:endParaRPr lang="en-US"/>
           </a:p>
@@ -3791,7 +2137,7 @@
     </p:spTree>
     <p:extLst>
       <p:ext uri="{BB962C8B-B14F-4D97-AF65-F5344CB8AC3E}">
-        <p14:creationId xmlns:p14="http://schemas.microsoft.com/office/powerpoint/2010/main" val="2914088402"/>
+        <p14:creationId xmlns:p14="http://schemas.microsoft.com/office/powerpoint/2010/main" val="2156091437"/>
       </p:ext>
     </p:extLst>
   </p:cSld>
@@ -4024,7 +2370,7 @@
           <a:p>
             <a:fld id="{5BCAD085-E8A6-8845-BD4E-CB4CCA059FC4}" type="datetimeFigureOut">
               <a:rPr lang="en-US" smtClean="0"/>
-              <a:t>4/8/2025</a:t>
+              <a:t>4/9/2025</a:t>
             </a:fld>
             <a:endParaRPr lang="en-US"/>
           </a:p>
@@ -4075,7 +2421,7 @@
     </p:spTree>
     <p:extLst>
       <p:ext uri="{BB962C8B-B14F-4D97-AF65-F5344CB8AC3E}">
-        <p14:creationId xmlns:p14="http://schemas.microsoft.com/office/powerpoint/2010/main" val="2425222374"/>
+        <p14:creationId xmlns:p14="http://schemas.microsoft.com/office/powerpoint/2010/main" val="3627801430"/>
       </p:ext>
     </p:extLst>
   </p:cSld>
@@ -4272,7 +2618,7 @@
           <a:p>
             <a:fld id="{5BCAD085-E8A6-8845-BD4E-CB4CCA059FC4}" type="datetimeFigureOut">
               <a:rPr lang="en-US" smtClean="0"/>
-              <a:t>4/8/2025</a:t>
+              <a:t>4/9/2025</a:t>
             </a:fld>
             <a:endParaRPr lang="en-US"/>
           </a:p>
@@ -4354,7 +2700,7 @@
     </p:spTree>
     <p:extLst>
       <p:ext uri="{BB962C8B-B14F-4D97-AF65-F5344CB8AC3E}">
-        <p14:creationId xmlns:p14="http://schemas.microsoft.com/office/powerpoint/2010/main" val="2133291504"/>
+        <p14:creationId xmlns:p14="http://schemas.microsoft.com/office/powerpoint/2010/main" val="1182912972"/>
       </p:ext>
     </p:extLst>
   </p:cSld>
@@ -4611,7 +2957,7 @@
           <a:p>
             <a:fld id="{5BCAD085-E8A6-8845-BD4E-CB4CCA059FC4}" type="datetimeFigureOut">
               <a:rPr lang="en-US" smtClean="0"/>
-              <a:t>4/8/2025</a:t>
+              <a:t>4/9/2025</a:t>
             </a:fld>
             <a:endParaRPr lang="en-US"/>
           </a:p>
@@ -4761,7 +3107,7 @@
     </p:spTree>
     <p:extLst>
       <p:ext uri="{BB962C8B-B14F-4D97-AF65-F5344CB8AC3E}">
-        <p14:creationId xmlns:p14="http://schemas.microsoft.com/office/powerpoint/2010/main" val="103387761"/>
+        <p14:creationId xmlns:p14="http://schemas.microsoft.com/office/powerpoint/2010/main" val="883317025"/>
       </p:ext>
     </p:extLst>
   </p:cSld>
@@ -4958,7 +3304,7 @@
           <a:p>
             <a:fld id="{5BCAD085-E8A6-8845-BD4E-CB4CCA059FC4}" type="datetimeFigureOut">
               <a:rPr lang="en-US" smtClean="0"/>
-              <a:t>4/8/2025</a:t>
+              <a:t>4/9/2025</a:t>
             </a:fld>
             <a:endParaRPr lang="en-US"/>
           </a:p>
@@ -5009,7 +3355,7 @@
     </p:spTree>
     <p:extLst>
       <p:ext uri="{BB962C8B-B14F-4D97-AF65-F5344CB8AC3E}">
-        <p14:creationId xmlns:p14="http://schemas.microsoft.com/office/powerpoint/2010/main" val="2535485134"/>
+        <p14:creationId xmlns:p14="http://schemas.microsoft.com/office/powerpoint/2010/main" val="3463261369"/>
       </p:ext>
     </p:extLst>
   </p:cSld>
@@ -5332,7 +3678,7 @@
           <a:p>
             <a:fld id="{5BCAD085-E8A6-8845-BD4E-CB4CCA059FC4}" type="datetimeFigureOut">
               <a:rPr lang="en-US" smtClean="0"/>
-              <a:t>4/8/2025</a:t>
+              <a:t>4/9/2025</a:t>
             </a:fld>
             <a:endParaRPr lang="en-US"/>
           </a:p>
@@ -5482,7 +3828,7 @@
     </p:spTree>
     <p:extLst>
       <p:ext uri="{BB962C8B-B14F-4D97-AF65-F5344CB8AC3E}">
-        <p14:creationId xmlns:p14="http://schemas.microsoft.com/office/powerpoint/2010/main" val="3960324306"/>
+        <p14:creationId xmlns:p14="http://schemas.microsoft.com/office/powerpoint/2010/main" val="3229982024"/>
       </p:ext>
     </p:extLst>
   </p:cSld>
@@ -5802,7 +4148,7 @@
           <a:p>
             <a:fld id="{5BCAD085-E8A6-8845-BD4E-CB4CCA059FC4}" type="datetimeFigureOut">
               <a:rPr lang="en-US" smtClean="0"/>
-              <a:t>4/8/2025</a:t>
+              <a:t>4/9/2025</a:t>
             </a:fld>
             <a:endParaRPr lang="en-US"/>
           </a:p>
@@ -5884,7 +4230,7 @@
     </p:spTree>
     <p:extLst>
       <p:ext uri="{BB962C8B-B14F-4D97-AF65-F5344CB8AC3E}">
-        <p14:creationId xmlns:p14="http://schemas.microsoft.com/office/powerpoint/2010/main" val="1197324386"/>
+        <p14:creationId xmlns:p14="http://schemas.microsoft.com/office/powerpoint/2010/main" val="1714475487"/>
       </p:ext>
     </p:extLst>
   </p:cSld>
@@ -6007,7 +4353,7 @@
           <a:p>
             <a:fld id="{5BCAD085-E8A6-8845-BD4E-CB4CCA059FC4}" type="datetimeFigureOut">
               <a:rPr lang="en-US" smtClean="0"/>
-              <a:t>4/8/2025</a:t>
+              <a:t>4/9/2025</a:t>
             </a:fld>
             <a:endParaRPr lang="en-US"/>
           </a:p>
@@ -6089,7 +4435,7 @@
     </p:spTree>
     <p:extLst>
       <p:ext uri="{BB962C8B-B14F-4D97-AF65-F5344CB8AC3E}">
-        <p14:creationId xmlns:p14="http://schemas.microsoft.com/office/powerpoint/2010/main" val="1787570068"/>
+        <p14:creationId xmlns:p14="http://schemas.microsoft.com/office/powerpoint/2010/main" val="559356534"/>
       </p:ext>
     </p:extLst>
   </p:cSld>
@@ -6218,7 +4564,7 @@
           <a:p>
             <a:fld id="{5BCAD085-E8A6-8845-BD4E-CB4CCA059FC4}" type="datetimeFigureOut">
               <a:rPr lang="en-US" smtClean="0"/>
-              <a:t>4/8/2025</a:t>
+              <a:t>4/9/2025</a:t>
             </a:fld>
             <a:endParaRPr lang="en-US"/>
           </a:p>
@@ -6300,7 +4646,7 @@
     </p:spTree>
     <p:extLst>
       <p:ext uri="{BB962C8B-B14F-4D97-AF65-F5344CB8AC3E}">
-        <p14:creationId xmlns:p14="http://schemas.microsoft.com/office/powerpoint/2010/main" val="720558018"/>
+        <p14:creationId xmlns:p14="http://schemas.microsoft.com/office/powerpoint/2010/main" val="2759310474"/>
       </p:ext>
     </p:extLst>
   </p:cSld>
@@ -6450,7 +4796,7 @@
           <a:p>
             <a:fld id="{5BCAD085-E8A6-8845-BD4E-CB4CCA059FC4}" type="datetimeFigureOut">
               <a:rPr lang="en-US" smtClean="0"/>
-              <a:t>4/8/2025</a:t>
+              <a:t>4/9/2025</a:t>
             </a:fld>
             <a:endParaRPr lang="en-US"/>
           </a:p>
@@ -6501,7 +4847,7 @@
     </p:spTree>
     <p:extLst>
       <p:ext uri="{BB962C8B-B14F-4D97-AF65-F5344CB8AC3E}">
-        <p14:creationId xmlns:p14="http://schemas.microsoft.com/office/powerpoint/2010/main" val="4217253379"/>
+        <p14:creationId xmlns:p14="http://schemas.microsoft.com/office/powerpoint/2010/main" val="3255522025"/>
       </p:ext>
     </p:extLst>
   </p:cSld>
@@ -6698,7 +5044,7 @@
           <a:p>
             <a:fld id="{5BCAD085-E8A6-8845-BD4E-CB4CCA059FC4}" type="datetimeFigureOut">
               <a:rPr lang="en-US" smtClean="0"/>
-              <a:t>4/8/2025</a:t>
+              <a:t>4/9/2025</a:t>
             </a:fld>
             <a:endParaRPr lang="en-US"/>
           </a:p>
@@ -6780,7 +5126,7 @@
     </p:spTree>
     <p:extLst>
       <p:ext uri="{BB962C8B-B14F-4D97-AF65-F5344CB8AC3E}">
-        <p14:creationId xmlns:p14="http://schemas.microsoft.com/office/powerpoint/2010/main" val="3030543875"/>
+        <p14:creationId xmlns:p14="http://schemas.microsoft.com/office/powerpoint/2010/main" val="3107365548"/>
       </p:ext>
     </p:extLst>
   </p:cSld>
@@ -6996,7 +5342,7 @@
           <a:p>
             <a:fld id="{5BCAD085-E8A6-8845-BD4E-CB4CCA059FC4}" type="datetimeFigureOut">
               <a:rPr lang="en-US" smtClean="0"/>
-              <a:t>4/8/2025</a:t>
+              <a:t>4/9/2025</a:t>
             </a:fld>
             <a:endParaRPr lang="en-US"/>
           </a:p>
@@ -7047,7 +5393,7 @@
     </p:spTree>
     <p:extLst>
       <p:ext uri="{BB962C8B-B14F-4D97-AF65-F5344CB8AC3E}">
-        <p14:creationId xmlns:p14="http://schemas.microsoft.com/office/powerpoint/2010/main" val="1053140361"/>
+        <p14:creationId xmlns:p14="http://schemas.microsoft.com/office/powerpoint/2010/main" val="1303995176"/>
       </p:ext>
     </p:extLst>
   </p:cSld>
@@ -7390,7 +5736,7 @@
           <a:p>
             <a:fld id="{5BCAD085-E8A6-8845-BD4E-CB4CCA059FC4}" type="datetimeFigureOut">
               <a:rPr lang="en-US" smtClean="0"/>
-              <a:t>4/8/2025</a:t>
+              <a:t>4/9/2025</a:t>
             </a:fld>
             <a:endParaRPr lang="en-US"/>
           </a:p>
@@ -7472,7 +5818,7 @@
     </p:spTree>
     <p:extLst>
       <p:ext uri="{BB962C8B-B14F-4D97-AF65-F5344CB8AC3E}">
-        <p14:creationId xmlns:p14="http://schemas.microsoft.com/office/powerpoint/2010/main" val="1291597027"/>
+        <p14:creationId xmlns:p14="http://schemas.microsoft.com/office/powerpoint/2010/main" val="2163516837"/>
       </p:ext>
     </p:extLst>
   </p:cSld>
@@ -7539,7 +5885,7 @@
           <a:p>
             <a:fld id="{5BCAD085-E8A6-8845-BD4E-CB4CCA059FC4}" type="datetimeFigureOut">
               <a:rPr lang="en-US" smtClean="0"/>
-              <a:t>4/8/2025</a:t>
+              <a:t>4/9/2025</a:t>
             </a:fld>
             <a:endParaRPr lang="en-US"/>
           </a:p>
@@ -7621,7 +5967,7 @@
     </p:spTree>
     <p:extLst>
       <p:ext uri="{BB962C8B-B14F-4D97-AF65-F5344CB8AC3E}">
-        <p14:creationId xmlns:p14="http://schemas.microsoft.com/office/powerpoint/2010/main" val="2925607628"/>
+        <p14:creationId xmlns:p14="http://schemas.microsoft.com/office/powerpoint/2010/main" val="602117199"/>
       </p:ext>
     </p:extLst>
   </p:cSld>
@@ -7665,7 +6011,7 @@
           <a:p>
             <a:fld id="{5BCAD085-E8A6-8845-BD4E-CB4CCA059FC4}" type="datetimeFigureOut">
               <a:rPr lang="en-US" smtClean="0"/>
-              <a:t>4/8/2025</a:t>
+              <a:t>4/9/2025</a:t>
             </a:fld>
             <a:endParaRPr lang="en-US"/>
           </a:p>
@@ -7716,7 +6062,7 @@
     </p:spTree>
     <p:extLst>
       <p:ext uri="{BB962C8B-B14F-4D97-AF65-F5344CB8AC3E}">
-        <p14:creationId xmlns:p14="http://schemas.microsoft.com/office/powerpoint/2010/main" val="3924050823"/>
+        <p14:creationId xmlns:p14="http://schemas.microsoft.com/office/powerpoint/2010/main" val="758245868"/>
       </p:ext>
     </p:extLst>
   </p:cSld>
@@ -7920,7 +6266,7 @@
           <a:p>
             <a:fld id="{5BCAD085-E8A6-8845-BD4E-CB4CCA059FC4}" type="datetimeFigureOut">
               <a:rPr lang="en-US" smtClean="0"/>
-              <a:t>4/8/2025</a:t>
+              <a:t>4/9/2025</a:t>
             </a:fld>
             <a:endParaRPr lang="en-US"/>
           </a:p>
@@ -8002,7 +6348,7 @@
     </p:spTree>
     <p:extLst>
       <p:ext uri="{BB962C8B-B14F-4D97-AF65-F5344CB8AC3E}">
-        <p14:creationId xmlns:p14="http://schemas.microsoft.com/office/powerpoint/2010/main" val="4087859894"/>
+        <p14:creationId xmlns:p14="http://schemas.microsoft.com/office/powerpoint/2010/main" val="2397947236"/>
       </p:ext>
     </p:extLst>
   </p:cSld>
@@ -8235,7 +6581,7 @@
           <a:p>
             <a:fld id="{5BCAD085-E8A6-8845-BD4E-CB4CCA059FC4}" type="datetimeFigureOut">
               <a:rPr lang="en-US" smtClean="0"/>
-              <a:t>4/8/2025</a:t>
+              <a:t>4/9/2025</a:t>
             </a:fld>
             <a:endParaRPr lang="en-US"/>
           </a:p>
@@ -8286,7 +6632,7 @@
     </p:spTree>
     <p:extLst>
       <p:ext uri="{BB962C8B-B14F-4D97-AF65-F5344CB8AC3E}">
-        <p14:creationId xmlns:p14="http://schemas.microsoft.com/office/powerpoint/2010/main" val="504192655"/>
+        <p14:creationId xmlns:p14="http://schemas.microsoft.com/office/powerpoint/2010/main" val="3962596865"/>
       </p:ext>
     </p:extLst>
   </p:cSld>
@@ -8586,7 +6932,7 @@
           <a:p>
             <a:fld id="{5BCAD085-E8A6-8845-BD4E-CB4CCA059FC4}" type="datetimeFigureOut">
               <a:rPr lang="en-US" smtClean="0"/>
-              <a:t>4/8/2025</a:t>
+              <a:t>4/9/2025</a:t>
             </a:fld>
             <a:endParaRPr lang="en-US"/>
           </a:p>
@@ -8673,29 +7019,29 @@
     </p:spTree>
     <p:extLst>
       <p:ext uri="{BB962C8B-B14F-4D97-AF65-F5344CB8AC3E}">
-        <p14:creationId xmlns:p14="http://schemas.microsoft.com/office/powerpoint/2010/main" val="3027633995"/>
+        <p14:creationId xmlns:p14="http://schemas.microsoft.com/office/powerpoint/2010/main" val="1839829414"/>
       </p:ext>
     </p:extLst>
   </p:cSld>
   <p:clrMap bg1="lt1" tx1="dk1" bg2="lt2" tx2="dk2" accent1="accent1" accent2="accent2" accent3="accent3" accent4="accent4" accent5="accent5" accent6="accent6" hlink="hlink" folHlink="folHlink"/>
   <p:sldLayoutIdLst>
-    <p:sldLayoutId id="2147483661" r:id="rId1"/>
-    <p:sldLayoutId id="2147483662" r:id="rId2"/>
-    <p:sldLayoutId id="2147483663" r:id="rId3"/>
-    <p:sldLayoutId id="2147483664" r:id="rId4"/>
-    <p:sldLayoutId id="2147483665" r:id="rId5"/>
-    <p:sldLayoutId id="2147483666" r:id="rId6"/>
-    <p:sldLayoutId id="2147483667" r:id="rId7"/>
-    <p:sldLayoutId id="2147483668" r:id="rId8"/>
-    <p:sldLayoutId id="2147483669" r:id="rId9"/>
-    <p:sldLayoutId id="2147483670" r:id="rId10"/>
-    <p:sldLayoutId id="2147483671" r:id="rId11"/>
-    <p:sldLayoutId id="2147483672" r:id="rId12"/>
-    <p:sldLayoutId id="2147483673" r:id="rId13"/>
-    <p:sldLayoutId id="2147483674" r:id="rId14"/>
-    <p:sldLayoutId id="2147483675" r:id="rId15"/>
-    <p:sldLayoutId id="2147483676" r:id="rId16"/>
-    <p:sldLayoutId id="2147483677" r:id="rId17"/>
+    <p:sldLayoutId id="2147483679" r:id="rId1"/>
+    <p:sldLayoutId id="2147483680" r:id="rId2"/>
+    <p:sldLayoutId id="2147483681" r:id="rId3"/>
+    <p:sldLayoutId id="2147483682" r:id="rId4"/>
+    <p:sldLayoutId id="2147483683" r:id="rId5"/>
+    <p:sldLayoutId id="2147483684" r:id="rId6"/>
+    <p:sldLayoutId id="2147483685" r:id="rId7"/>
+    <p:sldLayoutId id="2147483686" r:id="rId8"/>
+    <p:sldLayoutId id="2147483687" r:id="rId9"/>
+    <p:sldLayoutId id="2147483688" r:id="rId10"/>
+    <p:sldLayoutId id="2147483689" r:id="rId11"/>
+    <p:sldLayoutId id="2147483690" r:id="rId12"/>
+    <p:sldLayoutId id="2147483691" r:id="rId13"/>
+    <p:sldLayoutId id="2147483692" r:id="rId14"/>
+    <p:sldLayoutId id="2147483693" r:id="rId15"/>
+    <p:sldLayoutId id="2147483694" r:id="rId16"/>
+    <p:sldLayoutId id="2147483695" r:id="rId17"/>
   </p:sldLayoutIdLst>
   <p:txStyles>
     <p:titleStyle>
@@ -9876,8 +8222,8 @@
         </p:nvSpPr>
         <p:spPr>
           <a:xfrm>
-            <a:off x="710293" y="1861457"/>
-            <a:ext cx="7886700" cy="2554545"/>
+            <a:off x="1022773" y="1861457"/>
+            <a:ext cx="7149676" cy="2554545"/>
           </a:xfrm>
           <a:prstGeom prst="rect">
             <a:avLst/>
@@ -10256,103 +8602,6 @@
           </a:graphicData>
         </a:graphic>
       </p:graphicFrame>
-    </p:spTree>
-  </p:cSld>
-  <p:clrMapOvr>
-    <a:masterClrMapping/>
-  </p:clrMapOvr>
-</p:sld>
-</file>
-
-<file path=ppt/slides/slide8.xml><?xml version="1.0" encoding="utf-8"?>
-<p:sld xmlns:a="http://schemas.openxmlformats.org/drawingml/2006/main" xmlns:r="http://schemas.openxmlformats.org/officeDocument/2006/relationships" xmlns:p="http://schemas.openxmlformats.org/presentationml/2006/main">
-  <p:cSld>
-    <p:spTree>
-      <p:nvGrpSpPr>
-        <p:cNvPr id="1" name=""/>
-        <p:cNvGrpSpPr/>
-        <p:nvPr/>
-      </p:nvGrpSpPr>
-      <p:grpSpPr>
-        <a:xfrm>
-          <a:off x="0" y="0"/>
-          <a:ext cx="0" cy="0"/>
-          <a:chOff x="0" y="0"/>
-          <a:chExt cx="0" cy="0"/>
-        </a:xfrm>
-      </p:grpSpPr>
-      <p:sp>
-        <p:nvSpPr>
-          <p:cNvPr id="2" name="Title 1"/>
-          <p:cNvSpPr>
-            <a:spLocks noGrp="1"/>
-          </p:cNvSpPr>
-          <p:nvPr>
-            <p:ph type="title"/>
-          </p:nvPr>
-        </p:nvSpPr>
-        <p:spPr/>
-        <p:txBody>
-          <a:bodyPr/>
-          <a:lstStyle/>
-          <a:p>
-            <a:r>
-              <a:t>Summary</a:t>
-            </a:r>
-          </a:p>
-        </p:txBody>
-      </p:sp>
-      <p:sp>
-        <p:nvSpPr>
-          <p:cNvPr id="3" name="Content Placeholder 2"/>
-          <p:cNvSpPr>
-            <a:spLocks noGrp="1"/>
-          </p:cNvSpPr>
-          <p:nvPr>
-            <p:ph idx="1"/>
-          </p:nvPr>
-        </p:nvSpPr>
-        <p:spPr/>
-        <p:txBody>
-          <a:bodyPr>
-            <a:normAutofit fontScale="92500" lnSpcReduction="10000"/>
-          </a:bodyPr>
-          <a:lstStyle/>
-          <a:p>
-            <a:endParaRPr/>
-          </a:p>
-          <a:p>
-            <a:r>
-              <a:t>What is Go (Golang)?</a:t>
-            </a:r>
-          </a:p>
-          <a:p>
-            <a:r>
-              <a:t>Who Developed Go?</a:t>
-            </a:r>
-          </a:p>
-          <a:p>
-            <a:r>
-              <a:t>Why Go Was Created</a:t>
-            </a:r>
-          </a:p>
-          <a:p>
-            <a:r>
-              <a:t>Key Features of Go</a:t>
-            </a:r>
-          </a:p>
-          <a:p>
-            <a:r>
-              <a:t>Hello World in Go</a:t>
-            </a:r>
-          </a:p>
-          <a:p>
-            <a:r>
-              <a:t>Go at a Glance</a:t>
-            </a:r>
-          </a:p>
-        </p:txBody>
-      </p:sp>
     </p:spTree>
   </p:cSld>
   <p:clrMapOvr>
